--- a/Primena ADB alata u analizi Android uređaja.pptx
+++ b/Primena ADB alata u analizi Android uređaja.pptx
@@ -9,16 +9,18 @@
     <p:sldId id="257" r:id="rId4"/>
     <p:sldId id="258" r:id="rId5"/>
     <p:sldId id="259" r:id="rId6"/>
-    <p:sldId id="260" r:id="rId7"/>
-    <p:sldId id="261" r:id="rId8"/>
-    <p:sldId id="262" r:id="rId9"/>
-    <p:sldId id="263" r:id="rId10"/>
-    <p:sldId id="264" r:id="rId11"/>
-    <p:sldId id="268" r:id="rId12"/>
-    <p:sldId id="269" r:id="rId13"/>
-    <p:sldId id="265" r:id="rId14"/>
-    <p:sldId id="266" r:id="rId15"/>
-    <p:sldId id="267" r:id="rId16"/>
+    <p:sldId id="270" r:id="rId7"/>
+    <p:sldId id="260" r:id="rId8"/>
+    <p:sldId id="261" r:id="rId9"/>
+    <p:sldId id="262" r:id="rId10"/>
+    <p:sldId id="271" r:id="rId11"/>
+    <p:sldId id="263" r:id="rId12"/>
+    <p:sldId id="264" r:id="rId13"/>
+    <p:sldId id="268" r:id="rId14"/>
+    <p:sldId id="269" r:id="rId15"/>
+    <p:sldId id="265" r:id="rId16"/>
+    <p:sldId id="266" r:id="rId17"/>
+    <p:sldId id="267" r:id="rId18"/>
   </p:sldIdLst>
   <p:sldSz cx="12192000" cy="6858000"/>
   <p:notesSz cx="6858000" cy="9144000"/>
@@ -125,7 +127,7 @@
             <a:srgbClr val="A4A3A4"/>
           </p15:clr>
         </p15:guide>
-        <p15:guide id="2" pos="3840" userDrawn="1">
+        <p15:guide id="2" pos="3807" userDrawn="1">
           <p15:clr>
             <a:srgbClr val="A4A3A4"/>
           </p15:clr>
@@ -318,6 +320,18 @@
   <p:clrMapOvr>
     <a:masterClrMapping/>
   </p:clrMapOvr>
+  <mc:AlternateContent xmlns:mc="http://schemas.openxmlformats.org/markup-compatibility/2006">
+    <mc:Choice xmlns:p14="http://schemas.microsoft.com/office/powerpoint/2010/main" Requires="p14">
+      <p:transition spd="slow" p14:dur="1000">
+        <p:wipe/>
+      </p:transition>
+    </mc:Choice>
+    <mc:Fallback>
+      <p:transition spd="slow">
+        <p:wipe/>
+      </p:transition>
+    </mc:Fallback>
+  </mc:AlternateContent>
 </p:sldLayout>
 </file>
 
@@ -485,6 +499,18 @@
   <p:clrMapOvr>
     <a:masterClrMapping/>
   </p:clrMapOvr>
+  <mc:AlternateContent xmlns:mc="http://schemas.openxmlformats.org/markup-compatibility/2006">
+    <mc:Choice xmlns:p14="http://schemas.microsoft.com/office/powerpoint/2010/main" Requires="p14">
+      <p:transition spd="slow" p14:dur="1000">
+        <p:wipe/>
+      </p:transition>
+    </mc:Choice>
+    <mc:Fallback>
+      <p:transition spd="slow">
+        <p:wipe/>
+      </p:transition>
+    </mc:Fallback>
+  </mc:AlternateContent>
 </p:sldLayout>
 </file>
 
@@ -662,6 +688,18 @@
   <p:clrMapOvr>
     <a:masterClrMapping/>
   </p:clrMapOvr>
+  <mc:AlternateContent xmlns:mc="http://schemas.openxmlformats.org/markup-compatibility/2006">
+    <mc:Choice xmlns:p14="http://schemas.microsoft.com/office/powerpoint/2010/main" Requires="p14">
+      <p:transition spd="slow" p14:dur="1000">
+        <p:wipe/>
+      </p:transition>
+    </mc:Choice>
+    <mc:Fallback>
+      <p:transition spd="slow">
+        <p:wipe/>
+      </p:transition>
+    </mc:Fallback>
+  </mc:AlternateContent>
 </p:sldLayout>
 </file>
 
@@ -829,6 +867,18 @@
   <p:clrMapOvr>
     <a:masterClrMapping/>
   </p:clrMapOvr>
+  <mc:AlternateContent xmlns:mc="http://schemas.openxmlformats.org/markup-compatibility/2006">
+    <mc:Choice xmlns:p14="http://schemas.microsoft.com/office/powerpoint/2010/main" Requires="p14">
+      <p:transition spd="slow" p14:dur="1000">
+        <p:wipe/>
+      </p:transition>
+    </mc:Choice>
+    <mc:Fallback>
+      <p:transition spd="slow">
+        <p:wipe/>
+      </p:transition>
+    </mc:Fallback>
+  </mc:AlternateContent>
 </p:sldLayout>
 </file>
 
@@ -1069,6 +1119,18 @@
   <p:clrMapOvr>
     <a:masterClrMapping/>
   </p:clrMapOvr>
+  <mc:AlternateContent xmlns:mc="http://schemas.openxmlformats.org/markup-compatibility/2006">
+    <mc:Choice xmlns:p14="http://schemas.microsoft.com/office/powerpoint/2010/main" Requires="p14">
+      <p:transition spd="slow" p14:dur="1000">
+        <p:wipe/>
+      </p:transition>
+    </mc:Choice>
+    <mc:Fallback>
+      <p:transition spd="slow">
+        <p:wipe/>
+      </p:transition>
+    </mc:Fallback>
+  </mc:AlternateContent>
 </p:sldLayout>
 </file>
 
@@ -1302,6 +1364,18 @@
   <p:clrMapOvr>
     <a:masterClrMapping/>
   </p:clrMapOvr>
+  <mc:AlternateContent xmlns:mc="http://schemas.openxmlformats.org/markup-compatibility/2006">
+    <mc:Choice xmlns:p14="http://schemas.microsoft.com/office/powerpoint/2010/main" Requires="p14">
+      <p:transition spd="slow" p14:dur="1000">
+        <p:wipe/>
+      </p:transition>
+    </mc:Choice>
+    <mc:Fallback>
+      <p:transition spd="slow">
+        <p:wipe/>
+      </p:transition>
+    </mc:Fallback>
+  </mc:AlternateContent>
 </p:sldLayout>
 </file>
 
@@ -1672,6 +1746,18 @@
   <p:clrMapOvr>
     <a:masterClrMapping/>
   </p:clrMapOvr>
+  <mc:AlternateContent xmlns:mc="http://schemas.openxmlformats.org/markup-compatibility/2006">
+    <mc:Choice xmlns:p14="http://schemas.microsoft.com/office/powerpoint/2010/main" Requires="p14">
+      <p:transition spd="slow" p14:dur="1000">
+        <p:wipe/>
+      </p:transition>
+    </mc:Choice>
+    <mc:Fallback>
+      <p:transition spd="slow">
+        <p:wipe/>
+      </p:transition>
+    </mc:Fallback>
+  </mc:AlternateContent>
 </p:sldLayout>
 </file>
 
@@ -1783,6 +1869,18 @@
   <p:clrMapOvr>
     <a:masterClrMapping/>
   </p:clrMapOvr>
+  <mc:AlternateContent xmlns:mc="http://schemas.openxmlformats.org/markup-compatibility/2006">
+    <mc:Choice xmlns:p14="http://schemas.microsoft.com/office/powerpoint/2010/main" Requires="p14">
+      <p:transition spd="slow" p14:dur="1000">
+        <p:wipe/>
+      </p:transition>
+    </mc:Choice>
+    <mc:Fallback>
+      <p:transition spd="slow">
+        <p:wipe/>
+      </p:transition>
+    </mc:Fallback>
+  </mc:AlternateContent>
 </p:sldLayout>
 </file>
 
@@ -1871,6 +1969,18 @@
   <p:clrMapOvr>
     <a:masterClrMapping/>
   </p:clrMapOvr>
+  <mc:AlternateContent xmlns:mc="http://schemas.openxmlformats.org/markup-compatibility/2006">
+    <mc:Choice xmlns:p14="http://schemas.microsoft.com/office/powerpoint/2010/main" Requires="p14">
+      <p:transition spd="slow" p14:dur="1000">
+        <p:wipe/>
+      </p:transition>
+    </mc:Choice>
+    <mc:Fallback>
+      <p:transition spd="slow">
+        <p:wipe/>
+      </p:transition>
+    </mc:Fallback>
+  </mc:AlternateContent>
 </p:sldLayout>
 </file>
 
@@ -2146,6 +2256,18 @@
   <p:clrMapOvr>
     <a:masterClrMapping/>
   </p:clrMapOvr>
+  <mc:AlternateContent xmlns:mc="http://schemas.openxmlformats.org/markup-compatibility/2006">
+    <mc:Choice xmlns:p14="http://schemas.microsoft.com/office/powerpoint/2010/main" Requires="p14">
+      <p:transition spd="slow" p14:dur="1000">
+        <p:wipe/>
+      </p:transition>
+    </mc:Choice>
+    <mc:Fallback>
+      <p:transition spd="slow">
+        <p:wipe/>
+      </p:transition>
+    </mc:Fallback>
+  </mc:AlternateContent>
 </p:sldLayout>
 </file>
 
@@ -2393,6 +2515,18 @@
   <p:clrMapOvr>
     <a:masterClrMapping/>
   </p:clrMapOvr>
+  <mc:AlternateContent xmlns:mc="http://schemas.openxmlformats.org/markup-compatibility/2006">
+    <mc:Choice xmlns:p14="http://schemas.microsoft.com/office/powerpoint/2010/main" Requires="p14">
+      <p:transition spd="slow" p14:dur="1000">
+        <p:wipe/>
+      </p:transition>
+    </mc:Choice>
+    <mc:Fallback>
+      <p:transition spd="slow">
+        <p:wipe/>
+      </p:transition>
+    </mc:Fallback>
+  </mc:AlternateContent>
 </p:sldLayout>
 </file>
 
@@ -2400,9 +2534,32 @@
 <p:sldMaster xmlns:a="http://schemas.openxmlformats.org/drawingml/2006/main" xmlns:r="http://schemas.openxmlformats.org/officeDocument/2006/relationships" xmlns:p="http://schemas.openxmlformats.org/presentationml/2006/main">
   <p:cSld>
     <p:bg>
-      <p:bgRef idx="1001">
-        <a:schemeClr val="bg1"/>
-      </p:bgRef>
+      <p:bgPr>
+        <a:gradFill rotWithShape="0">
+          <a:gsLst>
+            <a:gs pos="96000">
+              <a:schemeClr val="accent2">
+                <a:lumMod val="40000"/>
+                <a:lumOff val="60000"/>
+              </a:schemeClr>
+            </a:gs>
+            <a:gs pos="0">
+              <a:schemeClr val="accent2">
+                <a:lumMod val="20000"/>
+                <a:lumOff val="80000"/>
+              </a:schemeClr>
+            </a:gs>
+            <a:gs pos="77000">
+              <a:schemeClr val="accent2">
+                <a:lumMod val="40000"/>
+                <a:lumOff val="60000"/>
+              </a:schemeClr>
+            </a:gs>
+          </a:gsLst>
+          <a:lin scaled="0"/>
+        </a:gradFill>
+        <a:effectLst/>
+      </p:bgPr>
     </p:bg>
     <p:spTree>
       <p:nvGrpSpPr>
@@ -2650,6 +2807,18 @@
     <p:sldLayoutId id="2147483658" r:id="rId10"/>
     <p:sldLayoutId id="2147483659" r:id="rId11"/>
   </p:sldLayoutIdLst>
+  <mc:AlternateContent xmlns:mc="http://schemas.openxmlformats.org/markup-compatibility/2006">
+    <mc:Choice xmlns:p14="http://schemas.microsoft.com/office/powerpoint/2010/main" Requires="p14">
+      <p:transition spd="slow" p14:dur="1000">
+        <p:wipe/>
+      </p:transition>
+    </mc:Choice>
+    <mc:Fallback>
+      <p:transition spd="slow">
+        <p:wipe/>
+      </p:transition>
+    </mc:Fallback>
+  </mc:AlternateContent>
   <p:txStyles>
     <p:titleStyle>
       <a:lvl1pPr algn="l" defTabSz="914400" rtl="0" eaLnBrk="1" latinLnBrk="0" hangingPunct="1">
@@ -2988,17 +3157,22 @@
             <p:ph type="subTitle" idx="1"/>
           </p:nvPr>
         </p:nvSpPr>
-        <p:spPr/>
+        <p:spPr>
+          <a:xfrm>
+            <a:off x="1852930" y="4376738"/>
+            <a:ext cx="9144000" cy="1655762"/>
+          </a:xfrm>
+        </p:spPr>
         <p:txBody>
           <a:bodyPr/>
           <a:lstStyle/>
           <a:p>
             <a:pPr algn="r"/>
             <a:r>
-              <a:rPr lang="sr-Latn-ME" altLang="en-US" sz="2800" b="1"/>
+              <a:rPr lang="sr-Latn-ME" altLang="en-US" sz="2800"/>
               <a:t>Željko Vasic 1808</a:t>
             </a:r>
-            <a:endParaRPr lang="sr-Latn-ME" altLang="en-US" sz="2800" b="1"/>
+            <a:endParaRPr lang="sr-Latn-ME" altLang="en-US" sz="2800"/>
           </a:p>
         </p:txBody>
       </p:sp>
@@ -3007,6 +3181,18 @@
   <p:clrMapOvr>
     <a:masterClrMapping/>
   </p:clrMapOvr>
+  <mc:AlternateContent xmlns:mc="http://schemas.openxmlformats.org/markup-compatibility/2006">
+    <mc:Choice xmlns:p14="http://schemas.microsoft.com/office/powerpoint/2010/main" Requires="p14">
+      <p:transition spd="slow" p14:dur="1000">
+        <p:wipe/>
+      </p:transition>
+    </mc:Choice>
+    <mc:Fallback>
+      <p:transition spd="slow">
+        <p:wipe/>
+      </p:transition>
+    </mc:Fallback>
+  </mc:AlternateContent>
 </p:sld>
 </file>
 
@@ -3032,6 +3218,646 @@
         </p:nvSpPr>
         <p:spPr>
           <a:xfrm>
+            <a:off x="838200" y="300990"/>
+            <a:ext cx="10515600" cy="5876290"/>
+          </a:xfrm>
+        </p:spPr>
+        <p:txBody>
+          <a:bodyPr/>
+          <a:p>
+            <a:pPr marL="0" indent="0" algn="ctr">
+              <a:buNone/>
+            </a:pPr>
+            <a:r>
+              <a:rPr lang="en-US" altLang="en-US" sz="3200">
+                <a:solidFill>
+                  <a:srgbClr val="FF0000"/>
+                </a:solidFill>
+              </a:rPr>
+              <a:t>Pregled i analiza aplikacija </a:t>
+            </a:r>
+            <a:endParaRPr lang="en-US" altLang="en-US" sz="3200">
+              <a:solidFill>
+                <a:srgbClr val="FF0000"/>
+              </a:solidFill>
+            </a:endParaRPr>
+          </a:p>
+          <a:p>
+            <a:pPr marL="0" indent="0" algn="l">
+              <a:buNone/>
+            </a:pPr>
+            <a:r>
+              <a:rPr lang="en-US" altLang="en-US" sz="2400">
+                <a:solidFill>
+                  <a:schemeClr val="tx1"/>
+                </a:solidFill>
+              </a:rPr>
+              <a:t>Komandom </a:t>
+            </a:r>
+            <a:r>
+              <a:rPr lang="en-US" altLang="en-US" sz="2400" i="1">
+                <a:solidFill>
+                  <a:schemeClr val="tx1"/>
+                </a:solidFill>
+              </a:rPr>
+              <a:t>adb shell pm list packages -f </a:t>
+            </a:r>
+            <a:r>
+              <a:rPr lang="en-US" altLang="en-US" sz="2400">
+                <a:solidFill>
+                  <a:schemeClr val="tx1"/>
+                </a:solidFill>
+              </a:rPr>
+              <a:t>se dobija lista svih instaliranih aplikacija uklju</a:t>
+            </a:r>
+            <a:r>
+              <a:rPr lang="en-US" altLang="en-US" sz="2400">
+                <a:solidFill>
+                  <a:schemeClr val="tx1"/>
+                </a:solidFill>
+              </a:rPr>
+              <a:t>č</a:t>
+            </a:r>
+            <a:r>
+              <a:rPr lang="en-US" altLang="en-US" sz="2400">
+                <a:solidFill>
+                  <a:schemeClr val="tx1"/>
+                </a:solidFill>
+              </a:rPr>
+              <a:t>uju</a:t>
+            </a:r>
+            <a:r>
+              <a:rPr lang="en-US" altLang="en-US" sz="2400">
+                <a:solidFill>
+                  <a:schemeClr val="tx1"/>
+                </a:solidFill>
+              </a:rPr>
+              <a:t>ć</a:t>
+            </a:r>
+            <a:r>
+              <a:rPr lang="en-US" altLang="en-US" sz="2400">
+                <a:solidFill>
+                  <a:schemeClr val="tx1"/>
+                </a:solidFill>
+              </a:rPr>
+              <a:t>i i skrivene i sistemske aplikacije.</a:t>
+            </a:r>
+            <a:endParaRPr lang="en-US" altLang="en-US" sz="2400">
+              <a:solidFill>
+                <a:schemeClr val="tx1"/>
+              </a:solidFill>
+            </a:endParaRPr>
+          </a:p>
+          <a:p>
+            <a:pPr marL="0" indent="0" algn="l">
+              <a:buNone/>
+            </a:pPr>
+            <a:endParaRPr lang="en-US" altLang="en-US" sz="2400">
+              <a:solidFill>
+                <a:schemeClr val="tx1"/>
+              </a:solidFill>
+            </a:endParaRPr>
+          </a:p>
+          <a:p>
+            <a:pPr marL="0" indent="0" algn="l">
+              <a:buNone/>
+            </a:pPr>
+            <a:endParaRPr lang="en-US" altLang="en-US" sz="2400">
+              <a:solidFill>
+                <a:schemeClr val="tx1"/>
+              </a:solidFill>
+            </a:endParaRPr>
+          </a:p>
+          <a:p>
+            <a:pPr marL="0" indent="0" algn="l">
+              <a:buNone/>
+            </a:pPr>
+            <a:endParaRPr lang="en-US" altLang="en-US" sz="2400">
+              <a:solidFill>
+                <a:schemeClr val="tx1"/>
+              </a:solidFill>
+            </a:endParaRPr>
+          </a:p>
+          <a:p>
+            <a:pPr marL="0" indent="0" algn="l">
+              <a:buNone/>
+            </a:pPr>
+            <a:endParaRPr lang="en-US" altLang="en-US" sz="2400">
+              <a:solidFill>
+                <a:schemeClr val="tx1"/>
+              </a:solidFill>
+            </a:endParaRPr>
+          </a:p>
+          <a:p>
+            <a:pPr marL="0" indent="0" algn="l">
+              <a:buNone/>
+            </a:pPr>
+            <a:endParaRPr lang="en-US" altLang="en-US" sz="2400">
+              <a:solidFill>
+                <a:schemeClr val="tx1"/>
+              </a:solidFill>
+            </a:endParaRPr>
+          </a:p>
+          <a:p>
+            <a:pPr marL="0" indent="0" algn="l">
+              <a:buNone/>
+            </a:pPr>
+            <a:endParaRPr lang="en-US" altLang="en-US" sz="2400">
+              <a:solidFill>
+                <a:schemeClr val="tx1"/>
+              </a:solidFill>
+            </a:endParaRPr>
+          </a:p>
+          <a:p>
+            <a:pPr marL="0" indent="0" algn="l">
+              <a:buNone/>
+            </a:pPr>
+            <a:endParaRPr lang="en-US" altLang="en-US" sz="2400">
+              <a:solidFill>
+                <a:schemeClr val="tx1"/>
+              </a:solidFill>
+            </a:endParaRPr>
+          </a:p>
+          <a:p>
+            <a:pPr marL="0" indent="0" algn="l">
+              <a:buNone/>
+            </a:pPr>
+            <a:r>
+              <a:rPr lang="en-US" altLang="en-US" sz="2400">
+                <a:solidFill>
+                  <a:schemeClr val="tx1"/>
+                </a:solidFill>
+              </a:rPr>
+              <a:t>Komandom pull nad putanjom do aplikacije se preuzimaju instalirani paketi te aplikacije koji kasnije mogu da se analiziraji:</a:t>
+            </a:r>
+            <a:endParaRPr lang="en-US" altLang="en-US" sz="2400">
+              <a:solidFill>
+                <a:schemeClr val="tx1"/>
+              </a:solidFill>
+            </a:endParaRPr>
+          </a:p>
+        </p:txBody>
+      </p:sp>
+      <p:pic>
+        <p:nvPicPr>
+          <p:cNvPr id="4" name="Picture 1"/>
+          <p:cNvPicPr>
+            <a:picLocks noChangeAspect="1"/>
+          </p:cNvPicPr>
+          <p:nvPr/>
+        </p:nvPicPr>
+        <p:blipFill>
+          <a:blip r:embed="rId1"/>
+          <a:stretch>
+            <a:fillRect/>
+          </a:stretch>
+        </p:blipFill>
+        <p:spPr>
+          <a:xfrm>
+            <a:off x="1007110" y="1673860"/>
+            <a:ext cx="4871720" cy="2501900"/>
+          </a:xfrm>
+          <a:prstGeom prst="rect">
+            <a:avLst/>
+          </a:prstGeom>
+          <a:noFill/>
+          <a:ln>
+            <a:noFill/>
+          </a:ln>
+        </p:spPr>
+      </p:pic>
+      <p:pic>
+        <p:nvPicPr>
+          <p:cNvPr id="15" name="Picture 6"/>
+          <p:cNvPicPr>
+            <a:picLocks noChangeAspect="1"/>
+          </p:cNvPicPr>
+          <p:nvPr/>
+        </p:nvPicPr>
+        <p:blipFill>
+          <a:blip r:embed="rId2"/>
+          <a:stretch>
+            <a:fillRect/>
+          </a:stretch>
+        </p:blipFill>
+        <p:spPr>
+          <a:xfrm>
+            <a:off x="1079500" y="5713730"/>
+            <a:ext cx="8308340" cy="463550"/>
+          </a:xfrm>
+          <a:prstGeom prst="rect">
+            <a:avLst/>
+          </a:prstGeom>
+          <a:noFill/>
+          <a:ln>
+            <a:noFill/>
+          </a:ln>
+        </p:spPr>
+      </p:pic>
+    </p:spTree>
+  </p:cSld>
+  <p:clrMapOvr>
+    <a:masterClrMapping/>
+  </p:clrMapOvr>
+  <mc:AlternateContent xmlns:mc="http://schemas.openxmlformats.org/markup-compatibility/2006">
+    <mc:Choice xmlns:p14="http://schemas.microsoft.com/office/powerpoint/2010/main" Requires="p14">
+      <p:transition spd="slow" p14:dur="1000">
+        <p:wipe/>
+      </p:transition>
+    </mc:Choice>
+    <mc:Fallback>
+      <p:transition spd="slow">
+        <p:wipe/>
+      </p:transition>
+    </mc:Fallback>
+  </mc:AlternateContent>
+</p:sld>
+</file>
+
+<file path=ppt/slides/slide11.xml><?xml version="1.0" encoding="utf-8"?>
+<p:sld xmlns:a="http://schemas.openxmlformats.org/drawingml/2006/main" xmlns:r="http://schemas.openxmlformats.org/officeDocument/2006/relationships" xmlns:p="http://schemas.openxmlformats.org/presentationml/2006/main">
+  <p:cSld>
+    <p:spTree>
+      <p:nvGrpSpPr>
+        <p:cNvPr id="1" name=""/>
+        <p:cNvGrpSpPr/>
+        <p:nvPr/>
+      </p:nvGrpSpPr>
+      <p:grpSpPr/>
+      <p:sp>
+        <p:nvSpPr>
+          <p:cNvPr id="3" name="Content Placeholder 2"/>
+          <p:cNvSpPr>
+            <a:spLocks noGrp="1"/>
+          </p:cNvSpPr>
+          <p:nvPr>
+            <p:ph idx="1"/>
+          </p:nvPr>
+        </p:nvSpPr>
+        <p:spPr>
+          <a:xfrm>
+            <a:off x="838200" y="429260"/>
+            <a:ext cx="10515600" cy="5748020"/>
+          </a:xfrm>
+        </p:spPr>
+        <p:txBody>
+          <a:bodyPr>
+            <a:normAutofit/>
+          </a:bodyPr>
+          <a:p>
+            <a:pPr marL="0" indent="0" algn="ctr">
+              <a:buNone/>
+            </a:pPr>
+            <a:r>
+              <a:rPr lang="en-US" sz="3200">
+                <a:solidFill>
+                  <a:srgbClr val="FF0000"/>
+                </a:solidFill>
+                <a:sym typeface="+mn-ea"/>
+              </a:rPr>
+              <a:t> </a:t>
+            </a:r>
+            <a:r>
+              <a:rPr lang="en-US" altLang="en-US" sz="3200">
+                <a:solidFill>
+                  <a:srgbClr val="FF0000"/>
+                </a:solidFill>
+                <a:sym typeface="+mn-ea"/>
+              </a:rPr>
+              <a:t>Prikupljanje sistemskih informacija i metapodataka</a:t>
+            </a:r>
+            <a:endParaRPr lang="en-US" altLang="en-US" sz="3200">
+              <a:solidFill>
+                <a:srgbClr val="FF0000"/>
+              </a:solidFill>
+            </a:endParaRPr>
+          </a:p>
+          <a:p>
+            <a:pPr marL="0" indent="0" algn="ctr">
+              <a:buNone/>
+            </a:pPr>
+            <a:endParaRPr lang="en-US" altLang="en-US" sz="2400">
+              <a:solidFill>
+                <a:srgbClr val="FF0000"/>
+              </a:solidFill>
+            </a:endParaRPr>
+          </a:p>
+          <a:p>
+            <a:pPr algn="l"/>
+            <a:r>
+              <a:rPr lang="en-US" altLang="en-US" sz="2400">
+                <a:solidFill>
+                  <a:schemeClr val="tx1"/>
+                </a:solidFill>
+              </a:rPr>
+              <a:t>Komanda </a:t>
+            </a:r>
+            <a:r>
+              <a:rPr lang="en-US" altLang="en-US" sz="2400" i="1">
+                <a:solidFill>
+                  <a:schemeClr val="tx1"/>
+                </a:solidFill>
+              </a:rPr>
+              <a:t>adb shell getprop</a:t>
+            </a:r>
+            <a:r>
+              <a:rPr lang="en-US" altLang="en-US" sz="2400">
+                <a:solidFill>
+                  <a:schemeClr val="tx1"/>
+                </a:solidFill>
+              </a:rPr>
+              <a:t> prikazuje sistemska svojstva Android ure</a:t>
+            </a:r>
+            <a:r>
+              <a:rPr lang="en-US" altLang="en-US" sz="2400">
+                <a:solidFill>
+                  <a:schemeClr val="tx1"/>
+                </a:solidFill>
+              </a:rPr>
+              <a:t>đ</a:t>
+            </a:r>
+            <a:r>
+              <a:rPr lang="en-US" altLang="en-US" sz="2400">
+                <a:solidFill>
+                  <a:schemeClr val="tx1"/>
+                </a:solidFill>
+              </a:rPr>
+              <a:t>aja.</a:t>
+            </a:r>
+            <a:endParaRPr lang="en-US" altLang="en-US" sz="2400">
+              <a:solidFill>
+                <a:schemeClr val="tx1"/>
+              </a:solidFill>
+            </a:endParaRPr>
+          </a:p>
+          <a:p>
+            <a:pPr marL="0" indent="0" algn="l">
+              <a:buNone/>
+            </a:pPr>
+            <a:endParaRPr lang="en-US" altLang="en-US">
+              <a:solidFill>
+                <a:srgbClr val="FF0000"/>
+              </a:solidFill>
+            </a:endParaRPr>
+          </a:p>
+          <a:p>
+            <a:pPr marL="0" indent="0" algn="l">
+              <a:buNone/>
+            </a:pPr>
+            <a:r>
+              <a:rPr lang="en-US" altLang="en-US" sz="2400">
+                <a:solidFill>
+                  <a:schemeClr val="tx1"/>
+                </a:solidFill>
+              </a:rPr>
+              <a:t>Android verzija:</a:t>
+            </a:r>
+            <a:endParaRPr lang="en-US" altLang="en-US" sz="2400">
+              <a:solidFill>
+                <a:schemeClr val="tx1"/>
+              </a:solidFill>
+            </a:endParaRPr>
+          </a:p>
+          <a:p>
+            <a:pPr marL="0" indent="0" algn="l">
+              <a:buNone/>
+            </a:pPr>
+            <a:endParaRPr lang="en-US" altLang="en-US" sz="2400">
+              <a:solidFill>
+                <a:schemeClr val="tx1"/>
+              </a:solidFill>
+            </a:endParaRPr>
+          </a:p>
+          <a:p>
+            <a:pPr marL="0" indent="0" algn="l">
+              <a:buNone/>
+            </a:pPr>
+            <a:endParaRPr lang="en-US" altLang="en-US" sz="2400">
+              <a:solidFill>
+                <a:schemeClr val="tx1"/>
+              </a:solidFill>
+            </a:endParaRPr>
+          </a:p>
+          <a:p>
+            <a:pPr marL="0" indent="0" algn="l">
+              <a:buNone/>
+            </a:pPr>
+            <a:r>
+              <a:rPr lang="en-US" altLang="en-US" sz="2400">
+                <a:solidFill>
+                  <a:schemeClr val="tx1"/>
+                </a:solidFill>
+              </a:rPr>
+              <a:t>Sigurnosna patch verzija:</a:t>
+            </a:r>
+            <a:endParaRPr lang="en-US" altLang="en-US" sz="2400">
+              <a:solidFill>
+                <a:schemeClr val="tx1"/>
+              </a:solidFill>
+            </a:endParaRPr>
+          </a:p>
+          <a:p>
+            <a:pPr marL="0" indent="0" algn="l">
+              <a:buNone/>
+            </a:pPr>
+            <a:endParaRPr lang="en-US" altLang="en-US" sz="2400">
+              <a:solidFill>
+                <a:schemeClr val="tx1"/>
+              </a:solidFill>
+            </a:endParaRPr>
+          </a:p>
+          <a:p>
+            <a:pPr marL="0" indent="0" algn="l">
+              <a:buNone/>
+            </a:pPr>
+            <a:r>
+              <a:rPr lang="en-US" altLang="en-US" sz="2400">
+                <a:solidFill>
+                  <a:schemeClr val="tx1"/>
+                </a:solidFill>
+              </a:rPr>
+              <a:t>Model ure</a:t>
+            </a:r>
+            <a:r>
+              <a:rPr lang="en-US" altLang="en-US" sz="2400">
+                <a:solidFill>
+                  <a:schemeClr val="tx1"/>
+                </a:solidFill>
+              </a:rPr>
+              <a:t>đ</a:t>
+            </a:r>
+            <a:r>
+              <a:rPr lang="en-US" altLang="en-US" sz="2400">
+                <a:solidFill>
+                  <a:schemeClr val="tx1"/>
+                </a:solidFill>
+              </a:rPr>
+              <a:t>aja:</a:t>
+            </a:r>
+            <a:endParaRPr lang="en-US" altLang="en-US" sz="2400">
+              <a:solidFill>
+                <a:schemeClr val="tx1"/>
+              </a:solidFill>
+            </a:endParaRPr>
+          </a:p>
+          <a:p>
+            <a:pPr marL="0" indent="0" algn="l">
+              <a:buNone/>
+            </a:pPr>
+            <a:endParaRPr lang="en-US" altLang="en-US">
+              <a:solidFill>
+                <a:srgbClr val="FF0000"/>
+              </a:solidFill>
+            </a:endParaRPr>
+          </a:p>
+          <a:p>
+            <a:pPr marL="0" indent="0" algn="l">
+              <a:buNone/>
+            </a:pPr>
+            <a:endParaRPr lang="en-US" altLang="en-US">
+              <a:solidFill>
+                <a:srgbClr val="FF0000"/>
+              </a:solidFill>
+            </a:endParaRPr>
+          </a:p>
+          <a:p>
+            <a:pPr marL="0" indent="0" algn="l">
+              <a:buNone/>
+            </a:pPr>
+            <a:endParaRPr lang="en-US" altLang="en-US">
+              <a:solidFill>
+                <a:srgbClr val="FF0000"/>
+              </a:solidFill>
+            </a:endParaRPr>
+          </a:p>
+        </p:txBody>
+      </p:sp>
+      <p:pic>
+        <p:nvPicPr>
+          <p:cNvPr id="18" name="Picture 9"/>
+          <p:cNvPicPr>
+            <a:picLocks noChangeAspect="1"/>
+          </p:cNvPicPr>
+          <p:nvPr/>
+        </p:nvPicPr>
+        <p:blipFill>
+          <a:blip r:embed="rId1"/>
+          <a:stretch>
+            <a:fillRect/>
+          </a:stretch>
+        </p:blipFill>
+        <p:spPr>
+          <a:xfrm>
+            <a:off x="1205865" y="4261485"/>
+            <a:ext cx="4476750" cy="336550"/>
+          </a:xfrm>
+          <a:prstGeom prst="rect">
+            <a:avLst/>
+          </a:prstGeom>
+          <a:noFill/>
+          <a:ln>
+            <a:noFill/>
+          </a:ln>
+        </p:spPr>
+      </p:pic>
+      <p:pic>
+        <p:nvPicPr>
+          <p:cNvPr id="19" name="Picture 10"/>
+          <p:cNvPicPr>
+            <a:picLocks noChangeAspect="1"/>
+          </p:cNvPicPr>
+          <p:nvPr/>
+        </p:nvPicPr>
+        <p:blipFill>
+          <a:blip r:embed="rId2"/>
+          <a:stretch>
+            <a:fillRect/>
+          </a:stretch>
+        </p:blipFill>
+        <p:spPr>
+          <a:xfrm>
+            <a:off x="1205865" y="2882900"/>
+            <a:ext cx="5718810" cy="504190"/>
+          </a:xfrm>
+          <a:prstGeom prst="rect">
+            <a:avLst/>
+          </a:prstGeom>
+          <a:noFill/>
+          <a:ln>
+            <a:noFill/>
+          </a:ln>
+        </p:spPr>
+      </p:pic>
+      <p:pic>
+        <p:nvPicPr>
+          <p:cNvPr id="20" name="Picture 11"/>
+          <p:cNvPicPr>
+            <a:picLocks noChangeAspect="1"/>
+          </p:cNvPicPr>
+          <p:nvPr/>
+        </p:nvPicPr>
+        <p:blipFill>
+          <a:blip r:embed="rId3"/>
+          <a:stretch>
+            <a:fillRect/>
+          </a:stretch>
+        </p:blipFill>
+        <p:spPr>
+          <a:xfrm>
+            <a:off x="1205865" y="5071110"/>
+            <a:ext cx="3683000" cy="546100"/>
+          </a:xfrm>
+          <a:prstGeom prst="rect">
+            <a:avLst/>
+          </a:prstGeom>
+          <a:noFill/>
+          <a:ln>
+            <a:noFill/>
+          </a:ln>
+        </p:spPr>
+      </p:pic>
+    </p:spTree>
+  </p:cSld>
+  <p:clrMapOvr>
+    <a:masterClrMapping/>
+  </p:clrMapOvr>
+  <mc:AlternateContent xmlns:mc="http://schemas.openxmlformats.org/markup-compatibility/2006">
+    <mc:Choice xmlns:p14="http://schemas.microsoft.com/office/powerpoint/2010/main" Requires="p14">
+      <p:transition spd="slow" p14:dur="1000">
+        <p:wipe/>
+      </p:transition>
+    </mc:Choice>
+    <mc:Fallback>
+      <p:transition spd="slow">
+        <p:wipe/>
+      </p:transition>
+    </mc:Fallback>
+  </mc:AlternateContent>
+</p:sld>
+</file>
+
+<file path=ppt/slides/slide12.xml><?xml version="1.0" encoding="utf-8"?>
+<p:sld xmlns:a="http://schemas.openxmlformats.org/drawingml/2006/main" xmlns:r="http://schemas.openxmlformats.org/officeDocument/2006/relationships" xmlns:p="http://schemas.openxmlformats.org/presentationml/2006/main">
+  <p:cSld>
+    <p:spTree>
+      <p:nvGrpSpPr>
+        <p:cNvPr id="1" name=""/>
+        <p:cNvGrpSpPr/>
+        <p:nvPr/>
+      </p:nvGrpSpPr>
+      <p:grpSpPr/>
+      <p:sp>
+        <p:nvSpPr>
+          <p:cNvPr id="3" name="Content Placeholder 2"/>
+          <p:cNvSpPr>
+            <a:spLocks noGrp="1"/>
+          </p:cNvSpPr>
+          <p:nvPr>
+            <p:ph idx="1"/>
+          </p:nvPr>
+        </p:nvSpPr>
+        <p:spPr>
+          <a:xfrm>
             <a:off x="636905" y="404495"/>
             <a:ext cx="11064240" cy="5772785"/>
           </a:xfrm>
@@ -3055,7 +3881,7 @@
               <a:t> prikazuje informacije o procesoru kao </a:t>
             </a:r>
             <a:r>
-              <a:rPr lang="" altLang="en-US" sz="2400"/>
+              <a:rPr lang="en-US" altLang="en-US" sz="2400"/>
               <a:t>š</a:t>
             </a:r>
             <a:r>
@@ -3105,10 +3931,22 @@
   <p:clrMapOvr>
     <a:masterClrMapping/>
   </p:clrMapOvr>
+  <mc:AlternateContent xmlns:mc="http://schemas.openxmlformats.org/markup-compatibility/2006">
+    <mc:Choice xmlns:p14="http://schemas.microsoft.com/office/powerpoint/2010/main" Requires="p14">
+      <p:transition spd="slow" p14:dur="1000">
+        <p:wipe/>
+      </p:transition>
+    </mc:Choice>
+    <mc:Fallback>
+      <p:transition spd="slow">
+        <p:wipe/>
+      </p:transition>
+    </mc:Fallback>
+  </mc:AlternateContent>
 </p:sld>
 </file>
 
-<file path=ppt/slides/slide11.xml><?xml version="1.0" encoding="utf-8"?>
+<file path=ppt/slides/slide13.xml><?xml version="1.0" encoding="utf-8"?>
 <p:sld xmlns:a="http://schemas.openxmlformats.org/drawingml/2006/main" xmlns:r="http://schemas.openxmlformats.org/officeDocument/2006/relationships" xmlns:p="http://schemas.openxmlformats.org/presentationml/2006/main">
   <p:cSld>
     <p:spTree>
@@ -3153,7 +3991,7 @@
               <a:t> prikazuje detaljne informacije o RAM memoriji Android ure</a:t>
             </a:r>
             <a:r>
-              <a:rPr lang="" altLang="en-US" sz="2400"/>
+              <a:rPr lang="en-US" altLang="en-US" sz="2400"/>
               <a:t>đ</a:t>
             </a:r>
             <a:r>
@@ -3197,10 +4035,22 @@
   <p:clrMapOvr>
     <a:masterClrMapping/>
   </p:clrMapOvr>
+  <mc:AlternateContent xmlns:mc="http://schemas.openxmlformats.org/markup-compatibility/2006">
+    <mc:Choice xmlns:p14="http://schemas.microsoft.com/office/powerpoint/2010/main" Requires="p14">
+      <p:transition spd="slow" p14:dur="1000">
+        <p:wipe/>
+      </p:transition>
+    </mc:Choice>
+    <mc:Fallback>
+      <p:transition spd="slow">
+        <p:wipe/>
+      </p:transition>
+    </mc:Fallback>
+  </mc:AlternateContent>
 </p:sld>
 </file>
 
-<file path=ppt/slides/slide12.xml><?xml version="1.0" encoding="utf-8"?>
+<file path=ppt/slides/slide14.xml><?xml version="1.0" encoding="utf-8"?>
 <p:sld xmlns:a="http://schemas.openxmlformats.org/drawingml/2006/main" xmlns:r="http://schemas.openxmlformats.org/officeDocument/2006/relationships" xmlns:p="http://schemas.openxmlformats.org/presentationml/2006/main">
   <p:cSld>
     <p:spTree>
@@ -3229,32 +4079,9 @@
         <p:txBody>
           <a:bodyPr/>
           <a:p>
-            <a:pPr marL="0" indent="0" algn="ctr">
+            <a:pPr marL="0" indent="0" algn="l">
               <a:buNone/>
             </a:pPr>
-            <a:r>
-              <a:rPr lang="en-US" sz="2400">
-                <a:solidFill>
-                  <a:srgbClr val="FF0000"/>
-                </a:solidFill>
-              </a:rPr>
-              <a:t>Prikupljanje informacija o trenutnom stanju ure</a:t>
-            </a:r>
-            <a:r>
-              <a:rPr lang="sr-Latn-ME" sz="2400">
-                <a:solidFill>
-                  <a:srgbClr val="FF0000"/>
-                </a:solidFill>
-              </a:rPr>
-              <a:t>đaja</a:t>
-            </a:r>
-            <a:endParaRPr lang="en-US" sz="2400">
-              <a:solidFill>
-                <a:srgbClr val="FF0000"/>
-              </a:solidFill>
-            </a:endParaRPr>
-          </a:p>
-          <a:p>
             <a:r>
               <a:rPr lang="en-US" sz="2400"/>
               <a:t>Komanda </a:t>
@@ -3272,46 +4099,44 @@
               <a:t> prikazuje stanje svih klju</a:t>
             </a:r>
             <a:r>
-              <a:rPr lang="" altLang="en-US" sz="2400"/>
-              <a:t>č</a:t>
-            </a:r>
-            <a:r>
               <a:rPr lang="en-US" altLang="en-US" sz="2400"/>
-              <a:t>nih Android servisa koji trenutno rade u operativnom sistemu ure</a:t>
-            </a:r>
-            <a:r>
-              <a:rPr lang="" altLang="en-US" sz="2400"/>
-              <a:t>đ</a:t>
+              <a:t>čnih Android servisa koji trenutno rade u operativnom sistemu ure</a:t>
             </a:r>
             <a:r>
               <a:rPr lang="en-US" altLang="en-US" sz="2400"/>
-              <a:t>aja. Omogu</a:t>
-            </a:r>
-            <a:r>
-              <a:rPr lang="" altLang="en-US" sz="2400"/>
-              <a:t>ć</a:t>
+              <a:t>đaja. Omogu</a:t>
             </a:r>
             <a:r>
               <a:rPr lang="en-US" altLang="en-US" sz="2400"/>
-              <a:t>ava uvid u trenutno stanje ure</a:t>
-            </a:r>
-            <a:r>
-              <a:rPr lang="" altLang="en-US" sz="2400"/>
-              <a:t>đ</a:t>
+              <a:t>ćava </a:t>
+            </a:r>
+            <a:r>
+              <a:rPr lang="en-US" altLang="en-US" sz="2400" u="sng"/>
+              <a:t>uvid u trenutno stanje ure</a:t>
+            </a:r>
+            <a:r>
+              <a:rPr lang="en-US" altLang="en-US" sz="2400" u="sng"/>
+              <a:t>đaja</a:t>
             </a:r>
             <a:r>
               <a:rPr lang="en-US" altLang="en-US" sz="2400"/>
-              <a:t>aja bez direktnog pristupa fajl sistemu.</a:t>
+              <a:t> bez direktnog pristupa fajl sistemu.</a:t>
             </a:r>
             <a:endParaRPr lang="en-US" altLang="en-US" sz="2400"/>
           </a:p>
           <a:p>
+            <a:pPr marL="0" indent="0" algn="l">
+              <a:buNone/>
+            </a:pPr>
+            <a:endParaRPr lang="en-US" altLang="en-US" sz="2400"/>
+          </a:p>
+          <a:p>
             <a:pPr marL="0" indent="0">
               <a:buNone/>
             </a:pPr>
             <a:r>
               <a:rPr lang="en-US" altLang="en-US" sz="2400"/>
-              <a:t>    Informacije o trenutnim aktivnostima:</a:t>
+              <a:t>Informacije o trenutnim aktivnostima:</a:t>
             </a:r>
             <a:endParaRPr lang="en-US" altLang="en-US" sz="2400"/>
           </a:p>
@@ -3369,8 +4194,8 @@
         </p:blipFill>
         <p:spPr>
           <a:xfrm>
-            <a:off x="1248410" y="2317115"/>
-            <a:ext cx="4030980" cy="2876550"/>
+            <a:off x="1107440" y="2291715"/>
+            <a:ext cx="4860925" cy="3469005"/>
           </a:xfrm>
           <a:prstGeom prst="rect">
             <a:avLst/>
@@ -3386,10 +4211,22 @@
   <p:clrMapOvr>
     <a:masterClrMapping/>
   </p:clrMapOvr>
+  <mc:AlternateContent xmlns:mc="http://schemas.openxmlformats.org/markup-compatibility/2006">
+    <mc:Choice xmlns:p14="http://schemas.microsoft.com/office/powerpoint/2010/main" Requires="p14">
+      <p:transition spd="slow" p14:dur="1000">
+        <p:wipe/>
+      </p:transition>
+    </mc:Choice>
+    <mc:Fallback>
+      <p:transition spd="slow">
+        <p:wipe/>
+      </p:transition>
+    </mc:Fallback>
+  </mc:AlternateContent>
 </p:sld>
 </file>
 
-<file path=ppt/slides/slide13.xml><?xml version="1.0" encoding="utf-8"?>
+<file path=ppt/slides/slide15.xml><?xml version="1.0" encoding="utf-8"?>
 <p:sld xmlns:a="http://schemas.openxmlformats.org/drawingml/2006/main" xmlns:r="http://schemas.openxmlformats.org/officeDocument/2006/relationships" xmlns:p="http://schemas.openxmlformats.org/presentationml/2006/main">
   <p:cSld>
     <p:spTree>
@@ -3564,10 +4401,22 @@
   <p:clrMapOvr>
     <a:masterClrMapping/>
   </p:clrMapOvr>
+  <mc:AlternateContent xmlns:mc="http://schemas.openxmlformats.org/markup-compatibility/2006">
+    <mc:Choice xmlns:p14="http://schemas.microsoft.com/office/powerpoint/2010/main" Requires="p14">
+      <p:transition spd="slow" p14:dur="1000">
+        <p:wipe/>
+      </p:transition>
+    </mc:Choice>
+    <mc:Fallback>
+      <p:transition spd="slow">
+        <p:wipe/>
+      </p:transition>
+    </mc:Fallback>
+  </mc:AlternateContent>
 </p:sld>
 </file>
 
-<file path=ppt/slides/slide14.xml><?xml version="1.0" encoding="utf-8"?>
+<file path=ppt/slides/slide16.xml><?xml version="1.0" encoding="utf-8"?>
 <p:sld xmlns:a="http://schemas.openxmlformats.org/drawingml/2006/main" xmlns:r="http://schemas.openxmlformats.org/officeDocument/2006/relationships" xmlns:p="http://schemas.openxmlformats.org/presentationml/2006/main">
   <p:cSld>
     <p:spTree>
@@ -3596,44 +4445,6 @@
         <p:txBody>
           <a:bodyPr/>
           <a:p>
-            <a:pPr marL="0" indent="0" algn="ctr">
-              <a:buNone/>
-            </a:pPr>
-            <a:r>
-              <a:rPr lang="en-US" altLang="en-US" sz="2400">
-                <a:solidFill>
-                  <a:srgbClr val="FF0000"/>
-                </a:solidFill>
-                <a:sym typeface="+mn-ea"/>
-              </a:rPr>
-              <a:t>Analiza mre</a:t>
-            </a:r>
-            <a:r>
-              <a:rPr lang="" altLang="en-US" sz="2400">
-                <a:solidFill>
-                  <a:srgbClr val="FF0000"/>
-                </a:solidFill>
-                <a:sym typeface="+mn-ea"/>
-              </a:rPr>
-              <a:t>ž</a:t>
-            </a:r>
-            <a:r>
-              <a:rPr lang="en-US" altLang="en-US" sz="2400">
-                <a:solidFill>
-                  <a:srgbClr val="FF0000"/>
-                </a:solidFill>
-                <a:sym typeface="+mn-ea"/>
-              </a:rPr>
-              <a:t>ne aktivnosti</a:t>
-            </a:r>
-            <a:endParaRPr lang="en-US" altLang="en-US" sz="2400">
-              <a:solidFill>
-                <a:srgbClr val="FF0000"/>
-              </a:solidFill>
-              <a:sym typeface="+mn-ea"/>
-            </a:endParaRPr>
-          </a:p>
-          <a:p>
             <a:pPr marL="0" indent="0" algn="l">
               <a:buNone/>
             </a:pPr>
@@ -3655,26 +4466,26 @@
             </a:r>
             <a:r>
               <a:rPr lang="en-US" altLang="en-US" sz="2400"/>
-              <a:t>prikazuje mre</a:t>
-            </a:r>
-            <a:r>
-              <a:rPr lang="" altLang="en-US" sz="2400"/>
-              <a:t>ž</a:t>
+              <a:t>prikazuje </a:t>
+            </a:r>
+            <a:r>
+              <a:rPr lang="en-US" altLang="en-US" sz="2400" u="sng"/>
+              <a:t>mre</a:t>
+            </a:r>
+            <a:r>
+              <a:rPr lang="en-US" altLang="en-US" sz="2400" u="sng"/>
+              <a:t>žne aktivnosti ure</a:t>
+            </a:r>
+            <a:r>
+              <a:rPr lang="en-US" altLang="en-US" sz="2400" u="sng"/>
+              <a:t>đaja</a:t>
             </a:r>
             <a:r>
               <a:rPr lang="en-US" altLang="en-US" sz="2400"/>
-              <a:t>ne aktivnosti ure</a:t>
-            </a:r>
-            <a:r>
-              <a:rPr lang="" altLang="en-US" sz="2400"/>
-              <a:t>đ</a:t>
+              <a:t>. Otkriva otvorene portove, aktivne mre</a:t>
             </a:r>
             <a:r>
               <a:rPr lang="en-US" altLang="en-US" sz="2400"/>
-              <a:t>aja. Otkriva otvorene portove, aktivne mre</a:t>
-            </a:r>
-            <a:r>
-              <a:rPr lang="" altLang="en-US" sz="2400"/>
               <a:t>ž</a:t>
             </a:r>
             <a:r>
@@ -3690,7 +4501,7 @@
               <a:t>aktivne TCP i UDP konekcije, portovi koji </a:t>
             </a:r>
             <a:r>
-              <a:rPr lang="" altLang="en-US" sz="2400"/>
+              <a:rPr lang="en-US" altLang="en-US" sz="2400"/>
               <a:t>č</a:t>
             </a:r>
             <a:r>
@@ -3698,7 +4509,7 @@
               <a:t>ekaju dolazne konekcije, ip adrese povezanih ure</a:t>
             </a:r>
             <a:r>
-              <a:rPr lang="" altLang="en-US" sz="2400"/>
+              <a:rPr lang="en-US" altLang="en-US" sz="2400"/>
               <a:t>đ</a:t>
             </a:r>
             <a:r>
@@ -3743,7 +4554,7 @@
         </p:blipFill>
         <p:spPr>
           <a:xfrm>
-            <a:off x="3693795" y="2066290"/>
+            <a:off x="3693795" y="1950085"/>
             <a:ext cx="5346065" cy="4514215"/>
           </a:xfrm>
           <a:prstGeom prst="rect">
@@ -3760,6 +4571,18 @@
   <p:clrMapOvr>
     <a:masterClrMapping/>
   </p:clrMapOvr>
+  <mc:AlternateContent xmlns:mc="http://schemas.openxmlformats.org/markup-compatibility/2006">
+    <mc:Choice xmlns:p14="http://schemas.microsoft.com/office/powerpoint/2010/main" Requires="p14">
+      <p:transition spd="slow" p14:dur="1000">
+        <p:wipe/>
+      </p:transition>
+    </mc:Choice>
+    <mc:Fallback>
+      <p:transition spd="slow">
+        <p:wipe/>
+      </p:transition>
+    </mc:Fallback>
+  </mc:AlternateContent>
 </p:sld>
 </file>
 
@@ -3899,7 +4722,7 @@
             </a:pPr>
             <a:r>
               <a:rPr lang="sr-Latn-ME" altLang="en-US"/>
-              <a:t>ADB deamon</a:t>
+              <a:t>ADB demon</a:t>
             </a:r>
             <a:endParaRPr lang="sr-Latn-ME" altLang="en-US"/>
           </a:p>
@@ -3934,6 +4757,18 @@
   <p:clrMapOvr>
     <a:masterClrMapping/>
   </p:clrMapOvr>
+  <mc:AlternateContent xmlns:mc="http://schemas.openxmlformats.org/markup-compatibility/2006">
+    <mc:Choice xmlns:p14="http://schemas.microsoft.com/office/powerpoint/2010/main" Requires="p14">
+      <p:transition spd="slow" p14:dur="1000">
+        <p:wipe/>
+      </p:transition>
+    </mc:Choice>
+    <mc:Fallback>
+      <p:transition spd="slow">
+        <p:wipe/>
+      </p:transition>
+    </mc:Fallback>
+  </mc:AlternateContent>
 </p:sld>
 </file>
 
@@ -4200,6 +5035,18 @@
   <p:clrMapOvr>
     <a:masterClrMapping/>
   </p:clrMapOvr>
+  <mc:AlternateContent xmlns:mc="http://schemas.openxmlformats.org/markup-compatibility/2006">
+    <mc:Choice xmlns:p14="http://schemas.microsoft.com/office/powerpoint/2010/main" Requires="p14">
+      <p:transition spd="slow" p14:dur="1000">
+        <p:wipe/>
+      </p:transition>
+    </mc:Choice>
+    <mc:Fallback>
+      <p:transition spd="slow">
+        <p:wipe/>
+      </p:transition>
+    </mc:Fallback>
+  </mc:AlternateContent>
 </p:sld>
 </file>
 
@@ -4431,6 +5278,18 @@
   <p:clrMapOvr>
     <a:masterClrMapping/>
   </p:clrMapOvr>
+  <mc:AlternateContent xmlns:mc="http://schemas.openxmlformats.org/markup-compatibility/2006">
+    <mc:Choice xmlns:p14="http://schemas.microsoft.com/office/powerpoint/2010/main" Requires="p14">
+      <p:transition spd="slow" p14:dur="1000">
+        <p:wipe/>
+      </p:transition>
+    </mc:Choice>
+    <mc:Fallback>
+      <p:transition spd="slow">
+        <p:wipe/>
+      </p:transition>
+    </mc:Fallback>
+  </mc:AlternateContent>
 </p:sld>
 </file>
 
@@ -4460,9 +5319,21 @@
           <a:p>
             <a:r>
               <a:rPr lang="en-US" altLang="en-US" sz="4000"/>
-              <a:t>Root pristup i njegove posledice</a:t>
-            </a:r>
-            <a:endParaRPr lang="en-US" altLang="en-US" sz="4000"/>
+              <a:t>Ograni</a:t>
+            </a:r>
+            <a:r>
+              <a:rPr lang="en-US" altLang="en-US" sz="4000"/>
+              <a:t>č</a:t>
+            </a:r>
+            <a:r>
+              <a:rPr lang="en-US" altLang="en-US" sz="4000"/>
+              <a:t>enja </a:t>
+            </a:r>
+            <a:r>
+              <a:rPr lang="en-US" altLang="en-US"/>
+              <a:t>ADB alata</a:t>
+            </a:r>
+            <a:endParaRPr lang="en-US" altLang="en-US"/>
           </a:p>
         </p:txBody>
       </p:sp>
@@ -4476,20 +5347,43 @@
             <p:ph idx="1"/>
           </p:nvPr>
         </p:nvSpPr>
-        <p:spPr>
-          <a:xfrm>
-            <a:off x="838200" y="1691640"/>
-            <a:ext cx="10515600" cy="4485640"/>
-          </a:xfrm>
-        </p:spPr>
-        <p:txBody>
-          <a:bodyPr>
-            <a:noAutofit/>
-          </a:bodyPr>
-          <a:p>
-            <a:r>
-              <a:rPr lang="en-US" altLang="en-US"/>
-              <a:t>Korisnik sa root pristupom ima potpunu kontrolu nad svim datotekama, servisima, procesima i pode</a:t>
+        <p:spPr/>
+        <p:txBody>
+          <a:bodyPr/>
+          <a:p>
+            <a:r>
+              <a:rPr lang="en-US" altLang="en-US"/>
+              <a:t>Nedostupnost pristupa nedodeljenom prostoru memorije</a:t>
+            </a:r>
+            <a:endParaRPr lang="en-US" altLang="en-US"/>
+          </a:p>
+          <a:p>
+            <a:r>
+              <a:rPr lang="en-US" altLang="en-US"/>
+              <a:t>Obrisane fajlove je nemogu</a:t>
+            </a:r>
+            <a:r>
+              <a:rPr lang="en-US" altLang="en-US"/>
+              <a:t>ć</a:t>
+            </a:r>
+            <a:r>
+              <a:rPr lang="en-US" altLang="en-US"/>
+              <a:t>e povratiti </a:t>
+            </a:r>
+            <a:endParaRPr lang="en-US" altLang="en-US"/>
+          </a:p>
+          <a:p>
+            <a:r>
+              <a:rPr lang="en-US" altLang="en-US"/>
+              <a:t>Ograni</a:t>
+            </a:r>
+            <a:r>
+              <a:rPr lang="en-US" altLang="en-US"/>
+              <a:t>č</a:t>
+            </a:r>
+            <a:r>
+              <a:rPr lang="en-US" altLang="en-US"/>
+              <a:t>en pristup za</a:t>
             </a:r>
             <a:r>
               <a:rPr lang="en-US" altLang="en-US"/>
@@ -4497,292 +5391,17 @@
             </a:r>
             <a:r>
               <a:rPr lang="en-US" altLang="en-US"/>
-              <a:t>avanjima ure</a:t>
-            </a:r>
-            <a:r>
-              <a:rPr lang="en-US" altLang="en-US"/>
-              <a:t>đ</a:t>
-            </a:r>
-            <a:r>
-              <a:rPr lang="en-US" altLang="en-US"/>
-              <a:t>aja</a:t>
-            </a:r>
-            <a:r>
-              <a:rPr lang="sr-Latn-ME" altLang="en-US"/>
-              <a:t>. </a:t>
-            </a:r>
-            <a:endParaRPr lang="sr-Latn-ME" altLang="en-US"/>
-          </a:p>
-          <a:p>
-            <a:pPr marL="0" indent="0">
-              <a:buNone/>
-            </a:pPr>
-            <a:r>
-              <a:rPr lang="sr-Latn-ME" altLang="en-US">
-                <a:solidFill>
-                  <a:schemeClr val="tx1"/>
-                </a:solidFill>
-              </a:rPr>
-              <a:t>Kor</a:t>
-            </a:r>
-            <a:r>
-              <a:rPr lang="en-US" altLang="en-US">
-                <a:solidFill>
-                  <a:schemeClr val="tx1"/>
-                </a:solidFill>
-              </a:rPr>
-              <a:t>isnik</a:t>
-            </a:r>
-            <a:r>
-              <a:rPr lang="sr-Latn-ME" altLang="en-US">
-                <a:solidFill>
-                  <a:schemeClr val="tx1"/>
-                </a:solidFill>
-              </a:rPr>
-              <a:t> </a:t>
-            </a:r>
-            <a:r>
-              <a:rPr lang="en-US" altLang="en-US">
-                <a:solidFill>
-                  <a:schemeClr val="tx1"/>
-                </a:solidFill>
-              </a:rPr>
-              <a:t>sa root pristupom sistemu mo</a:t>
-            </a:r>
-            <a:r>
-              <a:rPr lang="en-US" altLang="en-US">
-                <a:solidFill>
-                  <a:schemeClr val="tx1"/>
-                </a:solidFill>
-              </a:rPr>
-              <a:t>ž</a:t>
-            </a:r>
-            <a:r>
-              <a:rPr lang="en-US" altLang="en-US">
-                <a:solidFill>
-                  <a:schemeClr val="tx1"/>
-                </a:solidFill>
-              </a:rPr>
-              <a:t>e da:</a:t>
-            </a:r>
-            <a:endParaRPr lang="en-US" altLang="en-US">
-              <a:solidFill>
-                <a:schemeClr val="tx1"/>
-              </a:solidFill>
-            </a:endParaRPr>
-          </a:p>
-          <a:p>
-            <a:r>
-              <a:rPr lang="en-US" altLang="en-US">
-                <a:solidFill>
-                  <a:schemeClr val="tx1"/>
-                </a:solidFill>
-              </a:rPr>
-              <a:t>Menja sistemske particije</a:t>
-            </a:r>
-            <a:endParaRPr lang="en-US" altLang="en-US">
-              <a:solidFill>
-                <a:schemeClr val="tx1"/>
-              </a:solidFill>
-            </a:endParaRPr>
-          </a:p>
-          <a:p>
-            <a:r>
-              <a:rPr lang="en-US" altLang="en-US">
-                <a:solidFill>
-                  <a:schemeClr val="tx1"/>
-                </a:solidFill>
-              </a:rPr>
-              <a:t>Pokre</a:t>
-            </a:r>
-            <a:r>
-              <a:rPr lang="en-US" altLang="en-US">
-                <a:solidFill>
-                  <a:schemeClr val="tx1"/>
-                </a:solidFill>
-              </a:rPr>
+              <a:t>ti</a:t>
+            </a:r>
+            <a:r>
+              <a:rPr lang="en-US" altLang="en-US"/>
               <a:t>ć</a:t>
             </a:r>
             <a:r>
-              <a:rPr lang="en-US" altLang="en-US">
-                <a:solidFill>
-                  <a:schemeClr val="tx1"/>
-                </a:solidFill>
-              </a:rPr>
-              <a:t>e dodatne servise koji menjaju logove ure</a:t>
-            </a:r>
-            <a:r>
-              <a:rPr lang="en-US" altLang="en-US">
-                <a:solidFill>
-                  <a:schemeClr val="tx1"/>
-                </a:solidFill>
-              </a:rPr>
-              <a:t>đ</a:t>
-            </a:r>
-            <a:r>
-              <a:rPr lang="en-US" altLang="en-US">
-                <a:solidFill>
-                  <a:schemeClr val="tx1"/>
-                </a:solidFill>
-              </a:rPr>
-              <a:t>aja</a:t>
-            </a:r>
-            <a:endParaRPr lang="en-US" altLang="en-US">
-              <a:solidFill>
-                <a:schemeClr val="tx1"/>
-              </a:solidFill>
-            </a:endParaRPr>
-          </a:p>
-          <a:p>
-            <a:r>
-              <a:rPr lang="en-US" altLang="en-US">
-                <a:solidFill>
-                  <a:schemeClr val="tx1"/>
-                </a:solidFill>
-              </a:rPr>
-              <a:t>Menja vreme pristupa fajlovima</a:t>
-            </a:r>
-            <a:endParaRPr lang="en-US" altLang="en-US">
-              <a:solidFill>
-                <a:schemeClr val="tx1"/>
-              </a:solidFill>
-            </a:endParaRPr>
-          </a:p>
-          <a:p>
-            <a:r>
-              <a:rPr lang="en-US" altLang="en-US">
-                <a:solidFill>
-                  <a:schemeClr val="tx1"/>
-                </a:solidFill>
-              </a:rPr>
-              <a:t>Prikrije tragove malvera i da mu jo</a:t>
-            </a:r>
-            <a:r>
-              <a:rPr lang="en-US" altLang="en-US">
-                <a:solidFill>
-                  <a:schemeClr val="tx1"/>
-                </a:solidFill>
-              </a:rPr>
-              <a:t>š</a:t>
-            </a:r>
-            <a:r>
-              <a:rPr lang="en-US" altLang="en-US">
-                <a:solidFill>
-                  <a:schemeClr val="tx1"/>
-                </a:solidFill>
-              </a:rPr>
-              <a:t> ve</a:t>
-            </a:r>
-            <a:r>
-              <a:rPr lang="en-US" altLang="en-US">
-                <a:solidFill>
-                  <a:schemeClr val="tx1"/>
-                </a:solidFill>
-              </a:rPr>
-              <a:t>ć</a:t>
-            </a:r>
-            <a:r>
-              <a:rPr lang="en-US" altLang="en-US">
-                <a:solidFill>
-                  <a:schemeClr val="tx1"/>
-                </a:solidFill>
-              </a:rPr>
-              <a:t>e privilegije</a:t>
-            </a:r>
-            <a:endParaRPr lang="en-US" altLang="en-US">
-              <a:solidFill>
-                <a:schemeClr val="tx1"/>
-              </a:solidFill>
-            </a:endParaRPr>
-          </a:p>
-          <a:p>
-            <a:endParaRPr lang="en-US" altLang="en-US">
-              <a:solidFill>
-                <a:schemeClr val="tx1"/>
-              </a:solidFill>
-            </a:endParaRPr>
-          </a:p>
-          <a:p>
-            <a:pPr marL="0" indent="0">
-              <a:buNone/>
-            </a:pPr>
-            <a:r>
-              <a:rPr lang="sr-Latn-ME" altLang="en-US">
-                <a:solidFill>
-                  <a:srgbClr val="FF0000"/>
-                </a:solidFill>
-              </a:rPr>
-              <a:t>P</a:t>
-            </a:r>
-            <a:r>
-              <a:rPr lang="en-US" altLang="en-US">
-                <a:solidFill>
-                  <a:srgbClr val="FF0000"/>
-                </a:solidFill>
-              </a:rPr>
-              <a:t>odaci sa rootvanog ure</a:t>
-            </a:r>
-            <a:r>
-              <a:rPr lang="en-US" altLang="en-US">
-                <a:solidFill>
-                  <a:srgbClr val="FF0000"/>
-                </a:solidFill>
-              </a:rPr>
-              <a:t>đ</a:t>
-            </a:r>
-            <a:r>
-              <a:rPr lang="en-US" altLang="en-US">
-                <a:solidFill>
-                  <a:srgbClr val="FF0000"/>
-                </a:solidFill>
-              </a:rPr>
-              <a:t>aja</a:t>
-            </a:r>
-            <a:r>
-              <a:rPr lang="sr-Latn-ME" altLang="en-US">
-                <a:solidFill>
-                  <a:srgbClr val="FF0000"/>
-                </a:solidFill>
-              </a:rPr>
-              <a:t> se</a:t>
-            </a:r>
-            <a:r>
-              <a:rPr lang="en-US" altLang="en-US">
-                <a:solidFill>
-                  <a:srgbClr val="FF0000"/>
-                </a:solidFill>
-              </a:rPr>
-              <a:t> smatraju </a:t>
-            </a:r>
-            <a:r>
-              <a:rPr lang="sr-Latn-ME" altLang="en-US">
-                <a:solidFill>
-                  <a:srgbClr val="FF0000"/>
-                </a:solidFill>
-              </a:rPr>
-              <a:t>ne</a:t>
-            </a:r>
-            <a:r>
-              <a:rPr lang="en-US" altLang="en-US">
-                <a:solidFill>
-                  <a:srgbClr val="FF0000"/>
-                </a:solidFill>
-              </a:rPr>
-              <a:t>pouzdanim</a:t>
-            </a:r>
-            <a:r>
-              <a:rPr lang="sr-Latn-ME" altLang="en-US">
-                <a:solidFill>
-                  <a:srgbClr val="FF0000"/>
-                </a:solidFill>
-              </a:rPr>
-              <a:t>.</a:t>
-            </a:r>
-            <a:endParaRPr lang="sr-Latn-ME" altLang="en-US">
-              <a:solidFill>
-                <a:srgbClr val="FF0000"/>
-              </a:solidFill>
-            </a:endParaRPr>
+              <a:rPr lang="en-US" altLang="en-US"/>
+              <a:t>enim particijama</a:t>
+            </a:r>
+            <a:endParaRPr lang="en-US" altLang="en-US"/>
           </a:p>
         </p:txBody>
       </p:sp>
@@ -4791,6 +5410,18 @@
   <p:clrMapOvr>
     <a:masterClrMapping/>
   </p:clrMapOvr>
+  <mc:AlternateContent xmlns:mc="http://schemas.openxmlformats.org/markup-compatibility/2006">
+    <mc:Choice xmlns:p14="http://schemas.microsoft.com/office/powerpoint/2010/main" Requires="p14">
+      <p:transition spd="slow" p14:dur="1000">
+        <p:wipe/>
+      </p:transition>
+    </mc:Choice>
+    <mc:Fallback>
+      <p:transition spd="slow">
+        <p:wipe/>
+      </p:transition>
+    </mc:Fallback>
+  </mc:AlternateContent>
 </p:sld>
 </file>
 
@@ -4819,34 +5450,10 @@
           <a:bodyPr/>
           <a:p>
             <a:r>
-              <a:rPr lang="en-US" altLang="en-US"/>
-              <a:t>Zaklju</a:t>
-            </a:r>
-            <a:r>
-              <a:rPr lang="en-US" altLang="en-US"/>
-              <a:t>č</a:t>
-            </a:r>
-            <a:r>
-              <a:rPr lang="en-US" altLang="en-US"/>
-              <a:t>ani </a:t>
-            </a:r>
-            <a:r>
               <a:rPr lang="en-US" altLang="en-US" sz="4000"/>
-              <a:t>i </a:t>
-            </a:r>
-            <a:r>
-              <a:rPr lang="en-US" altLang="en-US"/>
-              <a:t>otklju</a:t>
-            </a:r>
-            <a:r>
-              <a:rPr lang="en-US" altLang="en-US"/>
-              <a:t>č</a:t>
-            </a:r>
-            <a:r>
-              <a:rPr lang="en-US" altLang="en-US"/>
-              <a:t>ani bootloader</a:t>
-            </a:r>
-            <a:endParaRPr lang="en-US" altLang="en-US"/>
+              <a:t>Root pristup i njegove posledice</a:t>
+            </a:r>
+            <a:endParaRPr lang="en-US" altLang="en-US" sz="4000"/>
           </a:p>
         </p:txBody>
       </p:sp>
@@ -4860,123 +5467,321 @@
             <p:ph idx="1"/>
           </p:nvPr>
         </p:nvSpPr>
-        <p:spPr/>
-        <p:txBody>
-          <a:bodyPr/>
-          <a:p>
+        <p:spPr>
+          <a:xfrm>
+            <a:off x="838200" y="1691640"/>
+            <a:ext cx="10515600" cy="4485640"/>
+          </a:xfrm>
+        </p:spPr>
+        <p:txBody>
+          <a:bodyPr>
+            <a:noAutofit/>
+          </a:bodyPr>
+          <a:p>
+            <a:r>
+              <a:rPr lang="en-US" altLang="en-US"/>
+              <a:t>Korisnik sa root pristupom ima potpunu kontrolu nad svim datotekama, servisima, procesima i pode</a:t>
+            </a:r>
+            <a:r>
+              <a:rPr lang="en-US" altLang="en-US"/>
+              <a:t>š</a:t>
+            </a:r>
+            <a:r>
+              <a:rPr lang="en-US" altLang="en-US"/>
+              <a:t>avanjima ure</a:t>
+            </a:r>
+            <a:r>
+              <a:rPr lang="en-US" altLang="en-US"/>
+              <a:t>đ</a:t>
+            </a:r>
+            <a:r>
+              <a:rPr lang="en-US" altLang="en-US"/>
+              <a:t>aja</a:t>
+            </a:r>
+            <a:r>
+              <a:rPr lang="sr-Latn-ME" altLang="en-US"/>
+              <a:t>. </a:t>
+            </a:r>
+            <a:endParaRPr lang="sr-Latn-ME" altLang="en-US"/>
+          </a:p>
+          <a:p>
+            <a:pPr marL="0" indent="0">
+              <a:buNone/>
+            </a:pPr>
+            <a:r>
+              <a:rPr lang="sr-Latn-ME" altLang="en-US">
+                <a:solidFill>
+                  <a:schemeClr val="tx1"/>
+                </a:solidFill>
+              </a:rPr>
+              <a:t>Kor</a:t>
+            </a:r>
             <a:r>
               <a:rPr lang="en-US" altLang="en-US">
                 <a:solidFill>
+                  <a:schemeClr val="tx1"/>
+                </a:solidFill>
+              </a:rPr>
+              <a:t>isnik</a:t>
+            </a:r>
+            <a:r>
+              <a:rPr lang="sr-Latn-ME" altLang="en-US">
+                <a:solidFill>
+                  <a:schemeClr val="tx1"/>
+                </a:solidFill>
+              </a:rPr>
+              <a:t> </a:t>
+            </a:r>
+            <a:r>
+              <a:rPr lang="en-US" altLang="en-US">
+                <a:solidFill>
+                  <a:schemeClr val="tx1"/>
+                </a:solidFill>
+              </a:rPr>
+              <a:t>sa root pristupom sistemu mo</a:t>
+            </a:r>
+            <a:r>
+              <a:rPr lang="en-US" altLang="en-US">
+                <a:solidFill>
+                  <a:schemeClr val="tx1"/>
+                </a:solidFill>
+              </a:rPr>
+              <a:t>ž</a:t>
+            </a:r>
+            <a:r>
+              <a:rPr lang="en-US" altLang="en-US">
+                <a:solidFill>
+                  <a:schemeClr val="tx1"/>
+                </a:solidFill>
+              </a:rPr>
+              <a:t>e da:</a:t>
+            </a:r>
+            <a:endParaRPr lang="en-US" altLang="en-US">
+              <a:solidFill>
+                <a:schemeClr val="tx1"/>
+              </a:solidFill>
+            </a:endParaRPr>
+          </a:p>
+          <a:p>
+            <a:r>
+              <a:rPr lang="en-US" altLang="en-US">
+                <a:solidFill>
+                  <a:schemeClr val="tx1"/>
+                </a:solidFill>
+              </a:rPr>
+              <a:t>Menja sistemske particije</a:t>
+            </a:r>
+            <a:endParaRPr lang="en-US" altLang="en-US">
+              <a:solidFill>
+                <a:schemeClr val="tx1"/>
+              </a:solidFill>
+            </a:endParaRPr>
+          </a:p>
+          <a:p>
+            <a:r>
+              <a:rPr lang="en-US" altLang="en-US">
+                <a:solidFill>
+                  <a:schemeClr val="tx1"/>
+                </a:solidFill>
+              </a:rPr>
+              <a:t>Pokre</a:t>
+            </a:r>
+            <a:r>
+              <a:rPr lang="en-US" altLang="en-US">
+                <a:solidFill>
+                  <a:schemeClr val="tx1"/>
+                </a:solidFill>
+              </a:rPr>
+              <a:t>ć</a:t>
+            </a:r>
+            <a:r>
+              <a:rPr lang="en-US" altLang="en-US">
+                <a:solidFill>
+                  <a:schemeClr val="tx1"/>
+                </a:solidFill>
+              </a:rPr>
+              <a:t>e dodatne servise koji menjaju logove ure</a:t>
+            </a:r>
+            <a:r>
+              <a:rPr lang="en-US" altLang="en-US">
+                <a:solidFill>
+                  <a:schemeClr val="tx1"/>
+                </a:solidFill>
+              </a:rPr>
+              <a:t>đ</a:t>
+            </a:r>
+            <a:r>
+              <a:rPr lang="en-US" altLang="en-US">
+                <a:solidFill>
+                  <a:schemeClr val="tx1"/>
+                </a:solidFill>
+              </a:rPr>
+              <a:t>aja</a:t>
+            </a:r>
+            <a:endParaRPr lang="en-US" altLang="en-US">
+              <a:solidFill>
+                <a:schemeClr val="tx1"/>
+              </a:solidFill>
+            </a:endParaRPr>
+          </a:p>
+          <a:p>
+            <a:r>
+              <a:rPr lang="en-US" altLang="en-US">
+                <a:solidFill>
+                  <a:schemeClr val="tx1"/>
+                </a:solidFill>
+              </a:rPr>
+              <a:t>Menja vreme pristupa fajlovima</a:t>
+            </a:r>
+            <a:endParaRPr lang="en-US" altLang="en-US">
+              <a:solidFill>
+                <a:schemeClr val="tx1"/>
+              </a:solidFill>
+            </a:endParaRPr>
+          </a:p>
+          <a:p>
+            <a:r>
+              <a:rPr lang="en-US" altLang="en-US">
+                <a:solidFill>
+                  <a:schemeClr val="tx1"/>
+                </a:solidFill>
+              </a:rPr>
+              <a:t>Prikrije tragove malvera i da mu jo</a:t>
+            </a:r>
+            <a:r>
+              <a:rPr lang="en-US" altLang="en-US">
+                <a:solidFill>
+                  <a:schemeClr val="tx1"/>
+                </a:solidFill>
+              </a:rPr>
+              <a:t>š</a:t>
+            </a:r>
+            <a:r>
+              <a:rPr lang="en-US" altLang="en-US">
+                <a:solidFill>
+                  <a:schemeClr val="tx1"/>
+                </a:solidFill>
+              </a:rPr>
+              <a:t> ve</a:t>
+            </a:r>
+            <a:r>
+              <a:rPr lang="en-US" altLang="en-US">
+                <a:solidFill>
+                  <a:schemeClr val="tx1"/>
+                </a:solidFill>
+              </a:rPr>
+              <a:t>ć</a:t>
+            </a:r>
+            <a:r>
+              <a:rPr lang="en-US" altLang="en-US">
+                <a:solidFill>
+                  <a:schemeClr val="tx1"/>
+                </a:solidFill>
+              </a:rPr>
+              <a:t>e privilegije</a:t>
+            </a:r>
+            <a:endParaRPr lang="en-US" altLang="en-US">
+              <a:solidFill>
+                <a:schemeClr val="tx1"/>
+              </a:solidFill>
+            </a:endParaRPr>
+          </a:p>
+          <a:p>
+            <a:endParaRPr lang="en-US" altLang="en-US">
+              <a:solidFill>
+                <a:schemeClr val="tx1"/>
+              </a:solidFill>
+            </a:endParaRPr>
+          </a:p>
+          <a:p>
+            <a:pPr marL="0" indent="0">
+              <a:buNone/>
+            </a:pPr>
+            <a:r>
+              <a:rPr lang="sr-Latn-ME" altLang="en-US">
+                <a:solidFill>
                   <a:srgbClr val="FF0000"/>
                 </a:solidFill>
               </a:rPr>
-              <a:t>Bootloader</a:t>
-            </a:r>
-            <a:r>
-              <a:rPr lang="en-US" altLang="en-US"/>
-              <a:t> je program koji pokre</a:t>
-            </a:r>
-            <a:r>
-              <a:rPr lang="en-US" altLang="en-US"/>
-              <a:t>ć</a:t>
-            </a:r>
-            <a:r>
-              <a:rPr lang="en-US" altLang="en-US"/>
-              <a:t>e Android sistem.</a:t>
-            </a:r>
-            <a:endParaRPr lang="en-US" altLang="en-US"/>
-          </a:p>
-          <a:p>
+              <a:t>P</a:t>
+            </a:r>
             <a:r>
               <a:rPr lang="en-US" altLang="en-US">
                 <a:solidFill>
-                  <a:schemeClr val="tx1"/>
-                </a:solidFill>
-              </a:rPr>
-              <a:t>Zaklju</a:t>
+                  <a:srgbClr val="FF0000"/>
+                </a:solidFill>
+              </a:rPr>
+              <a:t>odaci sa ure</a:t>
             </a:r>
             <a:r>
               <a:rPr lang="en-US" altLang="en-US">
                 <a:solidFill>
-                  <a:schemeClr val="tx1"/>
-                </a:solidFill>
-              </a:rPr>
-              <a:t>č</a:t>
+                  <a:srgbClr val="FF0000"/>
+                </a:solidFill>
+              </a:rPr>
+              <a:t>đaja</a:t>
+            </a:r>
+            <a:r>
+              <a:rPr lang="sr-Latn-ME" altLang="en-US">
+                <a:solidFill>
+                  <a:srgbClr val="FF0000"/>
+                </a:solidFill>
+              </a:rPr>
+              <a:t> </a:t>
+            </a:r>
+            <a:r>
+              <a:rPr lang="en-US" altLang="sr-Latn-ME">
+                <a:solidFill>
+                  <a:srgbClr val="FF0000"/>
+                </a:solidFill>
+              </a:rPr>
+              <a:t>sa root pristupom </a:t>
+            </a:r>
+            <a:r>
+              <a:rPr lang="sr-Latn-ME" altLang="en-US">
+                <a:solidFill>
+                  <a:srgbClr val="FF0000"/>
+                </a:solidFill>
+              </a:rPr>
+              <a:t>se</a:t>
             </a:r>
             <a:r>
               <a:rPr lang="en-US" altLang="en-US">
                 <a:solidFill>
-                  <a:schemeClr val="tx1"/>
-                </a:solidFill>
-              </a:rPr>
-              <a:t>ani bootloader</a:t>
-            </a:r>
-            <a:r>
-              <a:rPr lang="en-US" altLang="en-US"/>
-              <a:t> spre</a:t>
-            </a:r>
-            <a:r>
-              <a:rPr lang="en-US" altLang="en-US"/>
-              <a:t>č</a:t>
-            </a:r>
-            <a:r>
-              <a:rPr lang="en-US" altLang="en-US"/>
-              <a:t>ava modifikaciju sistemskih paritcija </a:t>
-            </a:r>
-            <a:r>
-              <a:rPr lang="en-US" altLang="en-US"/>
-              <a:t>č</a:t>
-            </a:r>
-            <a:r>
-              <a:rPr lang="en-US" altLang="en-US"/>
-              <a:t>ime se garantuje integritet sistema i podataka u njemu. </a:t>
-            </a:r>
-            <a:endParaRPr lang="en-US" altLang="en-US"/>
-          </a:p>
-          <a:p>
-            <a:r>
-              <a:rPr lang="en-US" altLang="en-US"/>
-              <a:t>Otklju</a:t>
-            </a:r>
-            <a:r>
-              <a:rPr lang="en-US" altLang="en-US"/>
-              <a:t>č</a:t>
-            </a:r>
-            <a:r>
-              <a:rPr lang="en-US" altLang="en-US"/>
-              <a:t>ani bootloader </a:t>
-            </a:r>
-            <a:r>
-              <a:rPr lang="sr-Latn-ME"/>
-              <a:t>o</a:t>
-            </a:r>
-            <a:r>
-              <a:rPr lang="en-US" altLang="en-US"/>
-              <a:t>mogu</a:t>
-            </a:r>
-            <a:r>
-              <a:rPr lang="en-US" altLang="en-US"/>
-              <a:t>ć</a:t>
-            </a:r>
-            <a:r>
-              <a:rPr lang="en-US" altLang="en-US"/>
-              <a:t>ava instaliranje root alata, menja proces verifikovanog podizanja sistema(Verified Boot) i naru</a:t>
-            </a:r>
-            <a:r>
-              <a:rPr lang="en-US" altLang="en-US"/>
-              <a:t>š</a:t>
-            </a:r>
-            <a:r>
-              <a:rPr lang="en-US" altLang="en-US"/>
-              <a:t>ava integritet podataka u sistemu. </a:t>
-            </a:r>
-            <a:endParaRPr lang="en-US" altLang="en-US"/>
-          </a:p>
-          <a:p>
-            <a:pPr marL="0" indent="0">
-              <a:buNone/>
-            </a:pPr>
-            <a:endParaRPr lang="en-US" altLang="en-US"/>
+                  <a:srgbClr val="FF0000"/>
+                </a:solidFill>
+              </a:rPr>
+              <a:t> smatraju </a:t>
+            </a:r>
+            <a:r>
+              <a:rPr lang="sr-Latn-ME" altLang="en-US">
+                <a:solidFill>
+                  <a:srgbClr val="FF0000"/>
+                </a:solidFill>
+              </a:rPr>
+              <a:t>ne</a:t>
+            </a:r>
+            <a:r>
+              <a:rPr lang="en-US" altLang="en-US">
+                <a:solidFill>
+                  <a:srgbClr val="FF0000"/>
+                </a:solidFill>
+              </a:rPr>
+              <a:t>pouzdanim</a:t>
+            </a:r>
+            <a:r>
+              <a:rPr lang="sr-Latn-ME" altLang="en-US">
+                <a:solidFill>
+                  <a:srgbClr val="FF0000"/>
+                </a:solidFill>
+              </a:rPr>
+              <a:t>.</a:t>
+            </a:r>
+            <a:endParaRPr lang="sr-Latn-ME" altLang="en-US">
+              <a:solidFill>
+                <a:srgbClr val="FF0000"/>
+              </a:solidFill>
+            </a:endParaRPr>
           </a:p>
         </p:txBody>
       </p:sp>
@@ -4985,10 +5790,228 @@
   <p:clrMapOvr>
     <a:masterClrMapping/>
   </p:clrMapOvr>
+  <mc:AlternateContent xmlns:mc="http://schemas.openxmlformats.org/markup-compatibility/2006">
+    <mc:Choice xmlns:p14="http://schemas.microsoft.com/office/powerpoint/2010/main" Requires="p14">
+      <p:transition spd="slow" p14:dur="1000">
+        <p:wipe/>
+      </p:transition>
+    </mc:Choice>
+    <mc:Fallback>
+      <p:transition spd="slow">
+        <p:wipe/>
+      </p:transition>
+    </mc:Fallback>
+  </mc:AlternateContent>
 </p:sld>
 </file>
 
 <file path=ppt/slides/slide7.xml><?xml version="1.0" encoding="utf-8"?>
+<p:sld xmlns:a="http://schemas.openxmlformats.org/drawingml/2006/main" xmlns:r="http://schemas.openxmlformats.org/officeDocument/2006/relationships" xmlns:p="http://schemas.openxmlformats.org/presentationml/2006/main">
+  <p:cSld>
+    <p:spTree>
+      <p:nvGrpSpPr>
+        <p:cNvPr id="1" name=""/>
+        <p:cNvGrpSpPr/>
+        <p:nvPr/>
+      </p:nvGrpSpPr>
+      <p:grpSpPr/>
+      <p:sp>
+        <p:nvSpPr>
+          <p:cNvPr id="2" name="Title 1"/>
+          <p:cNvSpPr>
+            <a:spLocks noGrp="1"/>
+          </p:cNvSpPr>
+          <p:nvPr>
+            <p:ph type="title"/>
+          </p:nvPr>
+        </p:nvSpPr>
+        <p:spPr/>
+        <p:txBody>
+          <a:bodyPr/>
+          <a:p>
+            <a:r>
+              <a:rPr lang="en-US" altLang="en-US"/>
+              <a:t>Zaklju</a:t>
+            </a:r>
+            <a:r>
+              <a:rPr lang="en-US" altLang="en-US"/>
+              <a:t>č</a:t>
+            </a:r>
+            <a:r>
+              <a:rPr lang="en-US" altLang="en-US"/>
+              <a:t>ani </a:t>
+            </a:r>
+            <a:r>
+              <a:rPr lang="en-US" altLang="en-US" sz="4000"/>
+              <a:t>i </a:t>
+            </a:r>
+            <a:r>
+              <a:rPr lang="en-US" altLang="en-US"/>
+              <a:t>otklju</a:t>
+            </a:r>
+            <a:r>
+              <a:rPr lang="en-US" altLang="en-US"/>
+              <a:t>č</a:t>
+            </a:r>
+            <a:r>
+              <a:rPr lang="en-US" altLang="en-US"/>
+              <a:t>ani bootloader</a:t>
+            </a:r>
+            <a:endParaRPr lang="en-US" altLang="en-US"/>
+          </a:p>
+        </p:txBody>
+      </p:sp>
+      <p:sp>
+        <p:nvSpPr>
+          <p:cNvPr id="3" name="Content Placeholder 2"/>
+          <p:cNvSpPr>
+            <a:spLocks noGrp="1"/>
+          </p:cNvSpPr>
+          <p:nvPr>
+            <p:ph idx="1"/>
+          </p:nvPr>
+        </p:nvSpPr>
+        <p:spPr/>
+        <p:txBody>
+          <a:bodyPr/>
+          <a:p>
+            <a:r>
+              <a:rPr lang="en-US" altLang="en-US">
+                <a:solidFill>
+                  <a:srgbClr val="FF0000"/>
+                </a:solidFill>
+              </a:rPr>
+              <a:t>Bootloader</a:t>
+            </a:r>
+            <a:r>
+              <a:rPr lang="en-US" altLang="en-US"/>
+              <a:t> je program koji pokre</a:t>
+            </a:r>
+            <a:r>
+              <a:rPr lang="en-US" altLang="en-US"/>
+              <a:t>ć</a:t>
+            </a:r>
+            <a:r>
+              <a:rPr lang="en-US" altLang="en-US"/>
+              <a:t>e Android sistem.</a:t>
+            </a:r>
+            <a:endParaRPr lang="en-US" altLang="en-US"/>
+          </a:p>
+          <a:p>
+            <a:r>
+              <a:rPr lang="en-US" altLang="en-US">
+                <a:solidFill>
+                  <a:schemeClr val="tx1"/>
+                </a:solidFill>
+              </a:rPr>
+              <a:t>Zaklju</a:t>
+            </a:r>
+            <a:r>
+              <a:rPr lang="en-US" altLang="en-US">
+                <a:solidFill>
+                  <a:schemeClr val="tx1"/>
+                </a:solidFill>
+              </a:rPr>
+              <a:t>č</a:t>
+            </a:r>
+            <a:r>
+              <a:rPr lang="en-US" altLang="en-US">
+                <a:solidFill>
+                  <a:schemeClr val="tx1"/>
+                </a:solidFill>
+              </a:rPr>
+              <a:t>ani bootloader</a:t>
+            </a:r>
+            <a:r>
+              <a:rPr lang="en-US" altLang="en-US"/>
+              <a:t> spre</a:t>
+            </a:r>
+            <a:r>
+              <a:rPr lang="en-US" altLang="en-US"/>
+              <a:t>č</a:t>
+            </a:r>
+            <a:r>
+              <a:rPr lang="en-US" altLang="en-US"/>
+              <a:t>ava modifikaciju sistemskih paritcija </a:t>
+            </a:r>
+            <a:r>
+              <a:rPr lang="en-US" altLang="en-US"/>
+              <a:t>č</a:t>
+            </a:r>
+            <a:r>
+              <a:rPr lang="en-US" altLang="en-US"/>
+              <a:t>ime se garantuje integritet sistema i podataka u njemu. </a:t>
+            </a:r>
+            <a:endParaRPr lang="en-US" altLang="en-US"/>
+          </a:p>
+          <a:p>
+            <a:r>
+              <a:rPr lang="en-US" altLang="en-US"/>
+              <a:t>Otklju</a:t>
+            </a:r>
+            <a:r>
+              <a:rPr lang="en-US" altLang="en-US"/>
+              <a:t>č</a:t>
+            </a:r>
+            <a:r>
+              <a:rPr lang="en-US" altLang="en-US"/>
+              <a:t>ani bootloader </a:t>
+            </a:r>
+            <a:r>
+              <a:rPr lang="sr-Latn-ME"/>
+              <a:t>o</a:t>
+            </a:r>
+            <a:r>
+              <a:rPr lang="en-US" altLang="en-US"/>
+              <a:t>mogu</a:t>
+            </a:r>
+            <a:r>
+              <a:rPr lang="en-US" altLang="en-US"/>
+              <a:t>ć</a:t>
+            </a:r>
+            <a:r>
+              <a:rPr lang="en-US" altLang="en-US"/>
+              <a:t>ava instaliranje root alata, menjanje procesa verifikovanog podizanja sistema(Verified Boot) i naru</a:t>
+            </a:r>
+            <a:r>
+              <a:rPr lang="en-US" altLang="en-US"/>
+              <a:t>š</a:t>
+            </a:r>
+            <a:r>
+              <a:rPr lang="en-US" altLang="en-US"/>
+              <a:t>ava integritet podataka u sistemu. </a:t>
+            </a:r>
+            <a:endParaRPr lang="en-US" altLang="en-US"/>
+          </a:p>
+          <a:p>
+            <a:pPr marL="0" indent="0">
+              <a:buNone/>
+            </a:pPr>
+            <a:endParaRPr lang="en-US" altLang="en-US"/>
+          </a:p>
+        </p:txBody>
+      </p:sp>
+    </p:spTree>
+  </p:cSld>
+  <p:clrMapOvr>
+    <a:masterClrMapping/>
+  </p:clrMapOvr>
+  <mc:AlternateContent xmlns:mc="http://schemas.openxmlformats.org/markup-compatibility/2006">
+    <mc:Choice xmlns:p14="http://schemas.microsoft.com/office/powerpoint/2010/main" Requires="p14">
+      <p:transition spd="slow" p14:dur="1000">
+        <p:wipe/>
+      </p:transition>
+    </mc:Choice>
+    <mc:Fallback>
+      <p:transition spd="slow">
+        <p:wipe/>
+      </p:transition>
+    </mc:Fallback>
+  </mc:AlternateContent>
+</p:sld>
+</file>
+
+<file path=ppt/slides/slide8.xml><?xml version="1.0" encoding="utf-8"?>
 <p:sld xmlns:a="http://schemas.openxmlformats.org/drawingml/2006/main" xmlns:r="http://schemas.openxmlformats.org/officeDocument/2006/relationships" xmlns:p="http://schemas.openxmlformats.org/presentationml/2006/main">
   <p:cSld>
     <p:spTree>
@@ -5309,10 +6332,22 @@
   <p:clrMapOvr>
     <a:masterClrMapping/>
   </p:clrMapOvr>
+  <mc:AlternateContent xmlns:mc="http://schemas.openxmlformats.org/markup-compatibility/2006">
+    <mc:Choice xmlns:p14="http://schemas.microsoft.com/office/powerpoint/2010/main" Requires="p14">
+      <p:transition spd="slow" p14:dur="1000">
+        <p:wipe/>
+      </p:transition>
+    </mc:Choice>
+    <mc:Fallback>
+      <p:transition spd="slow">
+        <p:wipe/>
+      </p:transition>
+    </mc:Fallback>
+  </mc:AlternateContent>
 </p:sld>
 </file>
 
-<file path=ppt/slides/slide8.xml><?xml version="1.0" encoding="utf-8"?>
+<file path=ppt/slides/slide9.xml><?xml version="1.0" encoding="utf-8"?>
 <p:sld xmlns:a="http://schemas.openxmlformats.org/drawingml/2006/main" xmlns:r="http://schemas.openxmlformats.org/officeDocument/2006/relationships" xmlns:p="http://schemas.openxmlformats.org/presentationml/2006/main">
   <p:cSld>
     <p:spTree>
@@ -5334,101 +6369,43 @@
         </p:nvSpPr>
         <p:spPr>
           <a:xfrm>
-            <a:off x="838200" y="300990"/>
-            <a:ext cx="10515600" cy="5876290"/>
+            <a:off x="838200" y="332105"/>
+            <a:ext cx="10515600" cy="5845175"/>
           </a:xfrm>
         </p:spPr>
         <p:txBody>
           <a:bodyPr/>
           <a:p>
-            <a:pPr marL="0" indent="0" algn="ctr">
-              <a:buNone/>
-            </a:pPr>
-            <a:r>
-              <a:rPr lang="en-US" altLang="en-US" sz="2400">
-                <a:solidFill>
-                  <a:srgbClr val="FF0000"/>
-                </a:solidFill>
-              </a:rPr>
-              <a:t>Pregled i analiza aplikacija </a:t>
-            </a:r>
-            <a:endParaRPr lang="en-US" altLang="en-US" sz="2400">
-              <a:solidFill>
-                <a:srgbClr val="FF0000"/>
-              </a:solidFill>
-            </a:endParaRPr>
-          </a:p>
-          <a:p>
-            <a:pPr marL="0" indent="0" algn="l">
-              <a:buNone/>
-            </a:pPr>
-            <a:r>
-              <a:rPr lang="en-US" altLang="en-US" sz="2400">
-                <a:solidFill>
-                  <a:schemeClr val="tx1"/>
-                </a:solidFill>
-              </a:rPr>
+            <a:r>
+              <a:rPr lang="en-US" altLang="en-US"/>
               <a:t>Komandom </a:t>
             </a:r>
             <a:r>
-              <a:rPr lang="en-US" altLang="en-US" sz="2400" i="1">
-                <a:solidFill>
-                  <a:schemeClr val="tx1"/>
-                </a:solidFill>
-              </a:rPr>
-              <a:t>adb shell pm list packages -f </a:t>
-            </a:r>
-            <a:r>
-              <a:rPr lang="en-US" altLang="en-US" sz="2400">
-                <a:solidFill>
-                  <a:schemeClr val="tx1"/>
-                </a:solidFill>
-              </a:rPr>
-              <a:t>se dobija lista svih instaliranih aplikacija uklju</a:t>
-            </a:r>
-            <a:r>
-              <a:rPr lang="" altLang="en-US" sz="2400">
-                <a:solidFill>
-                  <a:schemeClr val="tx1"/>
-                </a:solidFill>
-              </a:rPr>
-              <a:t>č</a:t>
-            </a:r>
-            <a:r>
-              <a:rPr lang="en-US" altLang="en-US" sz="2400">
-                <a:solidFill>
-                  <a:schemeClr val="tx1"/>
-                </a:solidFill>
-              </a:rPr>
-              <a:t>uju</a:t>
-            </a:r>
-            <a:r>
-              <a:rPr lang="" altLang="en-US" sz="2400">
-                <a:solidFill>
-                  <a:schemeClr val="tx1"/>
-                </a:solidFill>
-              </a:rPr>
-              <a:t>ć</a:t>
-            </a:r>
-            <a:r>
-              <a:rPr lang="en-US" altLang="en-US" sz="2400">
-                <a:solidFill>
-                  <a:schemeClr val="tx1"/>
-                </a:solidFill>
-              </a:rPr>
-              <a:t>i i skrivene i sistemske aplikacije.</a:t>
-            </a:r>
-            <a:endParaRPr lang="en-US" altLang="en-US" sz="2400">
-              <a:solidFill>
-                <a:schemeClr val="tx1"/>
-              </a:solidFill>
-            </a:endParaRPr>
+              <a:rPr lang="en-US" altLang="en-US" i="1"/>
+              <a:t>adb shell ls /putanjaDoFoldera</a:t>
+            </a:r>
+            <a:r>
+              <a:rPr lang="en-US" altLang="en-US"/>
+              <a:t> se izlistava celokupni sadr</a:t>
+            </a:r>
+            <a:r>
+              <a:rPr lang="en-US" altLang="en-US"/>
+              <a:t>ž</a:t>
+            </a:r>
+            <a:r>
+              <a:rPr lang="en-US" altLang="en-US"/>
+              <a:t>aj tog foldera: </a:t>
+            </a:r>
+            <a:endParaRPr lang="en-US" altLang="en-US"/>
+          </a:p>
+          <a:p>
+            <a:endParaRPr lang="en-US" altLang="en-US"/>
           </a:p>
         </p:txBody>
       </p:sp>
       <p:pic>
         <p:nvPicPr>
-          <p:cNvPr id="4" name="Picture 1"/>
+          <p:cNvPr id="5" name="Picture 4"/>
           <p:cNvPicPr>
             <a:picLocks noChangeAspect="1"/>
           </p:cNvPicPr>
@@ -5442,8 +6419,8 @@
         </p:blipFill>
         <p:spPr>
           <a:xfrm>
-            <a:off x="1007110" y="1643380"/>
-            <a:ext cx="5608955" cy="2880360"/>
+            <a:off x="1300480" y="1317625"/>
+            <a:ext cx="3608070" cy="4073525"/>
           </a:xfrm>
           <a:prstGeom prst="rect">
             <a:avLst/>
@@ -5459,326 +6436,18 @@
   <p:clrMapOvr>
     <a:masterClrMapping/>
   </p:clrMapOvr>
-</p:sld>
-</file>
-
-<file path=ppt/slides/slide9.xml><?xml version="1.0" encoding="utf-8"?>
-<p:sld xmlns:a="http://schemas.openxmlformats.org/drawingml/2006/main" xmlns:r="http://schemas.openxmlformats.org/officeDocument/2006/relationships" xmlns:p="http://schemas.openxmlformats.org/presentationml/2006/main">
-  <p:cSld>
-    <p:spTree>
-      <p:nvGrpSpPr>
-        <p:cNvPr id="1" name=""/>
-        <p:cNvGrpSpPr/>
-        <p:nvPr/>
-      </p:nvGrpSpPr>
-      <p:grpSpPr/>
-      <p:sp>
-        <p:nvSpPr>
-          <p:cNvPr id="3" name="Content Placeholder 2"/>
-          <p:cNvSpPr>
-            <a:spLocks noGrp="1"/>
-          </p:cNvSpPr>
-          <p:nvPr>
-            <p:ph idx="1"/>
-          </p:nvPr>
-        </p:nvSpPr>
-        <p:spPr>
-          <a:xfrm>
-            <a:off x="838200" y="429260"/>
-            <a:ext cx="10515600" cy="5748020"/>
-          </a:xfrm>
-        </p:spPr>
-        <p:txBody>
-          <a:bodyPr>
-            <a:normAutofit/>
-          </a:bodyPr>
-          <a:p>
-            <a:pPr marL="0" indent="0" algn="ctr">
-              <a:buNone/>
-            </a:pPr>
-            <a:r>
-              <a:rPr lang="en-US" altLang="en-US" sz="2400">
-                <a:solidFill>
-                  <a:srgbClr val="FF0000"/>
-                </a:solidFill>
-              </a:rPr>
-              <a:t>Prikupljanje informacija o hardveru</a:t>
-            </a:r>
-            <a:endParaRPr lang="en-US" altLang="en-US">
-              <a:solidFill>
-                <a:srgbClr val="FF0000"/>
-              </a:solidFill>
-            </a:endParaRPr>
-          </a:p>
-          <a:p>
-            <a:pPr algn="l"/>
-            <a:r>
-              <a:rPr lang="en-US" altLang="en-US" sz="2400">
-                <a:solidFill>
-                  <a:schemeClr val="tx1"/>
-                </a:solidFill>
-              </a:rPr>
-              <a:t>Komanda </a:t>
-            </a:r>
-            <a:r>
-              <a:rPr lang="en-US" altLang="en-US" sz="2400" i="1">
-                <a:solidFill>
-                  <a:schemeClr val="tx1"/>
-                </a:solidFill>
-              </a:rPr>
-              <a:t>adb shell getprop</a:t>
-            </a:r>
-            <a:r>
-              <a:rPr lang="en-US" altLang="en-US" sz="2400">
-                <a:solidFill>
-                  <a:schemeClr val="tx1"/>
-                </a:solidFill>
-              </a:rPr>
-              <a:t> prikazuje sistemska svojstva Android ure</a:t>
-            </a:r>
-            <a:r>
-              <a:rPr lang="" altLang="en-US" sz="2400">
-                <a:solidFill>
-                  <a:schemeClr val="tx1"/>
-                </a:solidFill>
-              </a:rPr>
-              <a:t>đ</a:t>
-            </a:r>
-            <a:r>
-              <a:rPr lang="en-US" altLang="en-US" sz="2400">
-                <a:solidFill>
-                  <a:schemeClr val="tx1"/>
-                </a:solidFill>
-              </a:rPr>
-              <a:t>aja.</a:t>
-            </a:r>
-            <a:endParaRPr lang="en-US" altLang="en-US" sz="2400">
-              <a:solidFill>
-                <a:schemeClr val="tx1"/>
-              </a:solidFill>
-            </a:endParaRPr>
-          </a:p>
-          <a:p>
-            <a:pPr marL="0" indent="0" algn="l">
-              <a:buNone/>
-            </a:pPr>
-            <a:endParaRPr lang="en-US" altLang="en-US">
-              <a:solidFill>
-                <a:srgbClr val="FF0000"/>
-              </a:solidFill>
-            </a:endParaRPr>
-          </a:p>
-          <a:p>
-            <a:pPr marL="0" indent="0" algn="l">
-              <a:buNone/>
-            </a:pPr>
-            <a:r>
-              <a:rPr lang="en-US" altLang="en-US" sz="2400">
-                <a:solidFill>
-                  <a:schemeClr val="tx1"/>
-                </a:solidFill>
-              </a:rPr>
-              <a:t>Android verzija:</a:t>
-            </a:r>
-            <a:endParaRPr lang="en-US" altLang="en-US" sz="2400">
-              <a:solidFill>
-                <a:schemeClr val="tx1"/>
-              </a:solidFill>
-            </a:endParaRPr>
-          </a:p>
-          <a:p>
-            <a:pPr marL="0" indent="0" algn="l">
-              <a:buNone/>
-            </a:pPr>
-            <a:endParaRPr lang="en-US" altLang="en-US" sz="2400">
-              <a:solidFill>
-                <a:schemeClr val="tx1"/>
-              </a:solidFill>
-            </a:endParaRPr>
-          </a:p>
-          <a:p>
-            <a:pPr marL="0" indent="0" algn="l">
-              <a:buNone/>
-            </a:pPr>
-            <a:r>
-              <a:rPr lang="en-US" altLang="en-US" sz="2400">
-                <a:solidFill>
-                  <a:schemeClr val="tx1"/>
-                </a:solidFill>
-              </a:rPr>
-              <a:t>Sigurnosna patch verzija:</a:t>
-            </a:r>
-            <a:endParaRPr lang="en-US" altLang="en-US" sz="2400">
-              <a:solidFill>
-                <a:schemeClr val="tx1"/>
-              </a:solidFill>
-            </a:endParaRPr>
-          </a:p>
-          <a:p>
-            <a:pPr marL="0" indent="0" algn="l">
-              <a:buNone/>
-            </a:pPr>
-            <a:endParaRPr lang="en-US" altLang="en-US" sz="2400">
-              <a:solidFill>
-                <a:schemeClr val="tx1"/>
-              </a:solidFill>
-            </a:endParaRPr>
-          </a:p>
-          <a:p>
-            <a:pPr marL="0" indent="0" algn="l">
-              <a:buNone/>
-            </a:pPr>
-            <a:r>
-              <a:rPr lang="en-US" altLang="en-US" sz="2400">
-                <a:solidFill>
-                  <a:schemeClr val="tx1"/>
-                </a:solidFill>
-              </a:rPr>
-              <a:t>Model ure</a:t>
-            </a:r>
-            <a:r>
-              <a:rPr lang="" altLang="en-US" sz="2400">
-                <a:solidFill>
-                  <a:schemeClr val="tx1"/>
-                </a:solidFill>
-              </a:rPr>
-              <a:t>đ</a:t>
-            </a:r>
-            <a:r>
-              <a:rPr lang="en-US" altLang="en-US" sz="2400">
-                <a:solidFill>
-                  <a:schemeClr val="tx1"/>
-                </a:solidFill>
-              </a:rPr>
-              <a:t>aja:</a:t>
-            </a:r>
-            <a:endParaRPr lang="en-US" altLang="en-US" sz="2400">
-              <a:solidFill>
-                <a:schemeClr val="tx1"/>
-              </a:solidFill>
-            </a:endParaRPr>
-          </a:p>
-          <a:p>
-            <a:pPr marL="0" indent="0" algn="l">
-              <a:buNone/>
-            </a:pPr>
-            <a:endParaRPr lang="en-US" altLang="en-US">
-              <a:solidFill>
-                <a:srgbClr val="FF0000"/>
-              </a:solidFill>
-            </a:endParaRPr>
-          </a:p>
-          <a:p>
-            <a:pPr marL="0" indent="0" algn="l">
-              <a:buNone/>
-            </a:pPr>
-            <a:endParaRPr lang="en-US" altLang="en-US">
-              <a:solidFill>
-                <a:srgbClr val="FF0000"/>
-              </a:solidFill>
-            </a:endParaRPr>
-          </a:p>
-          <a:p>
-            <a:pPr marL="0" indent="0" algn="l">
-              <a:buNone/>
-            </a:pPr>
-            <a:endParaRPr lang="en-US" altLang="en-US">
-              <a:solidFill>
-                <a:srgbClr val="FF0000"/>
-              </a:solidFill>
-            </a:endParaRPr>
-          </a:p>
-        </p:txBody>
-      </p:sp>
-      <p:pic>
-        <p:nvPicPr>
-          <p:cNvPr id="18" name="Picture 9"/>
-          <p:cNvPicPr>
-            <a:picLocks noChangeAspect="1"/>
-          </p:cNvPicPr>
-          <p:nvPr/>
-        </p:nvPicPr>
-        <p:blipFill>
-          <a:blip r:embed="rId1"/>
-          <a:stretch>
-            <a:fillRect/>
-          </a:stretch>
-        </p:blipFill>
-        <p:spPr>
-          <a:xfrm>
-            <a:off x="1065530" y="3260725"/>
-            <a:ext cx="4476750" cy="336550"/>
-          </a:xfrm>
-          <a:prstGeom prst="rect">
-            <a:avLst/>
-          </a:prstGeom>
-          <a:noFill/>
-          <a:ln>
-            <a:noFill/>
-          </a:ln>
-        </p:spPr>
-      </p:pic>
-      <p:pic>
-        <p:nvPicPr>
-          <p:cNvPr id="19" name="Picture 10"/>
-          <p:cNvPicPr>
-            <a:picLocks noChangeAspect="1"/>
-          </p:cNvPicPr>
-          <p:nvPr/>
-        </p:nvPicPr>
-        <p:blipFill>
-          <a:blip r:embed="rId2"/>
-          <a:stretch>
-            <a:fillRect/>
-          </a:stretch>
-        </p:blipFill>
-        <p:spPr>
-          <a:xfrm>
-            <a:off x="1065530" y="2388870"/>
-            <a:ext cx="4826000" cy="425450"/>
-          </a:xfrm>
-          <a:prstGeom prst="rect">
-            <a:avLst/>
-          </a:prstGeom>
-          <a:noFill/>
-          <a:ln>
-            <a:noFill/>
-          </a:ln>
-        </p:spPr>
-      </p:pic>
-      <p:pic>
-        <p:nvPicPr>
-          <p:cNvPr id="20" name="Picture 11"/>
-          <p:cNvPicPr>
-            <a:picLocks noChangeAspect="1"/>
-          </p:cNvPicPr>
-          <p:nvPr/>
-        </p:nvPicPr>
-        <p:blipFill>
-          <a:blip r:embed="rId3"/>
-          <a:stretch>
-            <a:fillRect/>
-          </a:stretch>
-        </p:blipFill>
-        <p:spPr>
-          <a:xfrm>
-            <a:off x="1065530" y="4199255"/>
-            <a:ext cx="3683000" cy="546100"/>
-          </a:xfrm>
-          <a:prstGeom prst="rect">
-            <a:avLst/>
-          </a:prstGeom>
-          <a:noFill/>
-          <a:ln>
-            <a:noFill/>
-          </a:ln>
-        </p:spPr>
-      </p:pic>
-    </p:spTree>
-  </p:cSld>
-  <p:clrMapOvr>
-    <a:masterClrMapping/>
-  </p:clrMapOvr>
+  <mc:AlternateContent xmlns:mc="http://schemas.openxmlformats.org/markup-compatibility/2006">
+    <mc:Choice xmlns:p14="http://schemas.microsoft.com/office/powerpoint/2010/main" Requires="p14">
+      <p:transition spd="slow" p14:dur="1000">
+        <p:wipe/>
+      </p:transition>
+    </mc:Choice>
+    <mc:Fallback>
+      <p:transition spd="slow">
+        <p:wipe/>
+      </p:transition>
+    </mc:Fallback>
+  </mc:AlternateContent>
 </p:sld>
 </file>
 
